--- a/artifacts/demo/AI_Recommendation_Engine_Deck_Final.pptx
+++ b/artifacts/demo/AI_Recommendation_Engine_Deck_Final.pptx
@@ -5,29 +5,30 @@
     <p:sldMasterId id="2147483648" r:id="rId1"/>
   </p:sldMasterIdLst>
   <p:notesMasterIdLst>
-    <p:notesMasterId r:id="rId5"/>
+    <p:notesMasterId r:id="rId20"/>
   </p:notesMasterIdLst>
   <p:handoutMasterIdLst>
     <p:handoutMasterId r:id="rId21"/>
   </p:handoutMasterIdLst>
   <p:sldIdLst>
-    <p:sldId id="256" r:id="rId3"/>
-    <p:sldId id="257" r:id="rId4"/>
-    <p:sldId id="276" r:id="rId6"/>
-    <p:sldId id="279" r:id="rId7"/>
-    <p:sldId id="278" r:id="rId8"/>
-    <p:sldId id="271" r:id="rId9"/>
-    <p:sldId id="274" r:id="rId10"/>
-    <p:sldId id="258" r:id="rId11"/>
-    <p:sldId id="261" r:id="rId12"/>
-    <p:sldId id="262" r:id="rId13"/>
-    <p:sldId id="259" r:id="rId14"/>
-    <p:sldId id="272" r:id="rId15"/>
-    <p:sldId id="265" r:id="rId16"/>
-    <p:sldId id="280" r:id="rId17"/>
-    <p:sldId id="281" r:id="rId18"/>
-    <p:sldId id="282" r:id="rId19"/>
-    <p:sldId id="283" r:id="rId20"/>
+    <p:sldId id="256" r:id="rId2"/>
+    <p:sldId id="257" r:id="rId3"/>
+    <p:sldId id="276" r:id="rId4"/>
+    <p:sldId id="279" r:id="rId5"/>
+    <p:sldId id="278" r:id="rId6"/>
+    <p:sldId id="271" r:id="rId7"/>
+    <p:sldId id="274" r:id="rId8"/>
+    <p:sldId id="258" r:id="rId9"/>
+    <p:sldId id="261" r:id="rId10"/>
+    <p:sldId id="284" r:id="rId11"/>
+    <p:sldId id="262" r:id="rId12"/>
+    <p:sldId id="259" r:id="rId13"/>
+    <p:sldId id="272" r:id="rId14"/>
+    <p:sldId id="265" r:id="rId15"/>
+    <p:sldId id="280" r:id="rId16"/>
+    <p:sldId id="281" r:id="rId17"/>
+    <p:sldId id="282" r:id="rId18"/>
+    <p:sldId id="283" r:id="rId19"/>
   </p:sldIdLst>
   <p:sldSz cx="9144000" cy="6858000" type="screen4x3"/>
   <p:notesSz cx="6858000" cy="9144000"/>
@@ -227,6 +228,7 @@
           <a:p>
             <a:fld id="{696C064A-D61B-4B21-B757-51A9B82445B8}" type="datetimeFigureOut">
               <a:rPr lang="en-US" smtClean="0"/>
+              <a:t>3/26/25</a:t>
             </a:fld>
             <a:endParaRPr lang="en-US"/>
           </a:p>
@@ -292,12 +294,18 @@
           <a:p>
             <a:fld id="{50305E07-67EA-4042-A3F6-853A8AD8D209}" type="slidenum">
               <a:rPr lang="en-US" smtClean="0"/>
+              <a:t>‹#›</a:t>
             </a:fld>
             <a:endParaRPr lang="en-US"/>
           </a:p>
         </p:txBody>
       </p:sp>
     </p:spTree>
+    <p:extLst>
+      <p:ext uri="{BB962C8B-B14F-4D97-AF65-F5344CB8AC3E}">
+        <p14:creationId xmlns:p14="http://schemas.microsoft.com/office/powerpoint/2010/main" val="1"/>
+      </p:ext>
+    </p:extLst>
   </p:cSld>
   <p:clrMap bg1="lt1" tx1="dk1" bg2="lt2" tx2="dk2" accent1="accent1" accent2="accent2" accent3="accent3" accent4="accent4" accent5="accent5" accent6="accent6" hlink="hlink" folHlink="folHlink"/>
 </p:handoutMaster>
@@ -385,6 +393,7 @@
           <a:p>
             <a:fld id="{20771EAE-6854-49F9-ADAB-3A297827A876}" type="datetimeFigureOut">
               <a:rPr lang="en-IN" smtClean="0"/>
+              <a:t>26/03/25</a:t>
             </a:fld>
             <a:endParaRPr lang="en-IN"/>
           </a:p>
@@ -451,7 +460,6 @@
               <a:rPr lang="en-US"/>
               <a:t>Click to edit Master text styles</a:t>
             </a:r>
-            <a:endParaRPr lang="en-US"/>
           </a:p>
           <a:p>
             <a:pPr lvl="1"/>
@@ -459,7 +467,6 @@
               <a:rPr lang="en-US"/>
               <a:t>Second level</a:t>
             </a:r>
-            <a:endParaRPr lang="en-US"/>
           </a:p>
           <a:p>
             <a:pPr lvl="2"/>
@@ -467,7 +474,6 @@
               <a:rPr lang="en-US"/>
               <a:t>Third level</a:t>
             </a:r>
-            <a:endParaRPr lang="en-US"/>
           </a:p>
           <a:p>
             <a:pPr lvl="3"/>
@@ -475,7 +481,6 @@
               <a:rPr lang="en-US"/>
               <a:t>Fourth level</a:t>
             </a:r>
-            <a:endParaRPr lang="en-US"/>
           </a:p>
           <a:p>
             <a:pPr lvl="4"/>
@@ -547,6 +552,7 @@
           <a:p>
             <a:fld id="{7848C3F9-64E3-45FC-B25E-8AE11964292C}" type="slidenum">
               <a:rPr lang="en-IN" smtClean="0"/>
+              <a:t>‹#›</a:t>
             </a:fld>
             <a:endParaRPr lang="en-IN"/>
           </a:p>
@@ -698,7 +704,6 @@
               <a:rPr lang="en-US" dirty="0"/>
               <a:t>We can remove the right side image. Focus from the problem statement is moved to image. Image is not helping to enhance the problem statement</a:t>
             </a:r>
-            <a:endParaRPr lang="en-US" dirty="0"/>
           </a:p>
           <a:p>
             <a:endParaRPr lang="en-IN" dirty="0"/>
@@ -722,6 +727,7 @@
           <a:p>
             <a:fld id="{7848C3F9-64E3-45FC-B25E-8AE11964292C}" type="slidenum">
               <a:rPr lang="en-IN" smtClean="0"/>
+              <a:t>2</a:t>
             </a:fld>
             <a:endParaRPr lang="en-IN"/>
           </a:p>
@@ -783,14 +789,12 @@
               <a:rPr lang="en-US" dirty="0"/>
               <a:t>This need to be linked for our solution over view</a:t>
             </a:r>
-            <a:endParaRPr lang="en-US" dirty="0"/>
           </a:p>
           <a:p>
             <a:r>
               <a:rPr lang="en-IN" dirty="0"/>
               <a:t>We can add the tech stack slide before this one., as in this slide we are talking about the technologies</a:t>
             </a:r>
-            <a:endParaRPr lang="en-IN" dirty="0"/>
           </a:p>
         </p:txBody>
       </p:sp>
@@ -811,12 +815,97 @@
           <a:p>
             <a:fld id="{7848C3F9-64E3-45FC-B25E-8AE11964292C}" type="slidenum">
               <a:rPr lang="en-IN" smtClean="0"/>
+              <a:t>6</a:t>
             </a:fld>
             <a:endParaRPr lang="en-IN"/>
           </a:p>
         </p:txBody>
       </p:sp>
     </p:spTree>
+  </p:cSld>
+  <p:clrMapOvr>
+    <a:masterClrMapping/>
+  </p:clrMapOvr>
+</p:notes>
+</file>
+
+<file path=ppt/notesSlides/notesSlide3.xml><?xml version="1.0" encoding="utf-8"?>
+<p:notes xmlns:a="http://schemas.openxmlformats.org/drawingml/2006/main" xmlns:r="http://schemas.openxmlformats.org/officeDocument/2006/relationships" xmlns:p="http://schemas.openxmlformats.org/presentationml/2006/main">
+  <p:cSld>
+    <p:spTree>
+      <p:nvGrpSpPr>
+        <p:cNvPr id="1" name=""/>
+        <p:cNvGrpSpPr/>
+        <p:nvPr/>
+      </p:nvGrpSpPr>
+      <p:grpSpPr>
+        <a:xfrm>
+          <a:off x="0" y="0"/>
+          <a:ext cx="0" cy="0"/>
+          <a:chOff x="0" y="0"/>
+          <a:chExt cx="0" cy="0"/>
+        </a:xfrm>
+      </p:grpSpPr>
+      <p:sp>
+        <p:nvSpPr>
+          <p:cNvPr id="2" name="Slide Image Placeholder 1"/>
+          <p:cNvSpPr>
+            <a:spLocks noGrp="1" noRot="1" noChangeAspect="1"/>
+          </p:cNvSpPr>
+          <p:nvPr>
+            <p:ph type="sldImg"/>
+          </p:nvPr>
+        </p:nvSpPr>
+        <p:spPr/>
+      </p:sp>
+      <p:sp>
+        <p:nvSpPr>
+          <p:cNvPr id="3" name="Notes Placeholder 2"/>
+          <p:cNvSpPr>
+            <a:spLocks noGrp="1"/>
+          </p:cNvSpPr>
+          <p:nvPr>
+            <p:ph type="body" idx="1"/>
+          </p:nvPr>
+        </p:nvSpPr>
+        <p:spPr/>
+        <p:txBody>
+          <a:bodyPr/>
+          <a:lstStyle/>
+          <a:p>
+            <a:endParaRPr lang="en-US" dirty="0"/>
+          </a:p>
+        </p:txBody>
+      </p:sp>
+      <p:sp>
+        <p:nvSpPr>
+          <p:cNvPr id="4" name="Slide Number Placeholder 3"/>
+          <p:cNvSpPr>
+            <a:spLocks noGrp="1"/>
+          </p:cNvSpPr>
+          <p:nvPr>
+            <p:ph type="sldNum" sz="quarter" idx="5"/>
+          </p:nvPr>
+        </p:nvSpPr>
+        <p:spPr/>
+        <p:txBody>
+          <a:bodyPr/>
+          <a:lstStyle/>
+          <a:p>
+            <a:fld id="{7848C3F9-64E3-45FC-B25E-8AE11964292C}" type="slidenum">
+              <a:rPr lang="en-IN" smtClean="0"/>
+              <a:t>10</a:t>
+            </a:fld>
+            <a:endParaRPr lang="en-IN"/>
+          </a:p>
+        </p:txBody>
+      </p:sp>
+    </p:spTree>
+    <p:extLst>
+      <p:ext uri="{BB962C8B-B14F-4D97-AF65-F5344CB8AC3E}">
+        <p14:creationId xmlns:p14="http://schemas.microsoft.com/office/powerpoint/2010/main" val="4153293082"/>
+      </p:ext>
+    </p:extLst>
   </p:cSld>
   <p:clrMapOvr>
     <a:masterClrMapping/>
@@ -865,7 +954,6 @@
               <a:rPr lang="en-US"/>
               <a:t>Click to edit Master title style</a:t>
             </a:r>
-            <a:endParaRPr lang="en-US"/>
           </a:p>
         </p:txBody>
       </p:sp>
@@ -984,7 +1072,6 @@
               <a:rPr lang="en-US"/>
               <a:t>Click to edit Master subtitle style</a:t>
             </a:r>
-            <a:endParaRPr lang="en-US"/>
           </a:p>
         </p:txBody>
       </p:sp>
@@ -1005,6 +1092,7 @@
           <a:p>
             <a:fld id="{5BCAD085-E8A6-8845-BD4E-CB4CCA059FC4}" type="datetimeFigureOut">
               <a:rPr lang="en-US" smtClean="0"/>
+              <a:t>3/26/25</a:t>
             </a:fld>
             <a:endParaRPr lang="en-US"/>
           </a:p>
@@ -1046,6 +1134,7 @@
           <a:p>
             <a:fld id="{C1FF6DA9-008F-8B48-92A6-B652298478BF}" type="slidenum">
               <a:rPr lang="en-US" smtClean="0"/>
+              <a:t>‹#›</a:t>
             </a:fld>
             <a:endParaRPr lang="en-US"/>
           </a:p>
@@ -1095,7 +1184,6 @@
               <a:rPr lang="en-US"/>
               <a:t>Click to edit Master title style</a:t>
             </a:r>
-            <a:endParaRPr lang="en-US"/>
           </a:p>
         </p:txBody>
       </p:sp>
@@ -1119,7 +1207,6 @@
               <a:rPr lang="en-US"/>
               <a:t>Click to edit Master text styles</a:t>
             </a:r>
-            <a:endParaRPr lang="en-US"/>
           </a:p>
           <a:p>
             <a:pPr lvl="1"/>
@@ -1127,7 +1214,6 @@
               <a:rPr lang="en-US"/>
               <a:t>Second level</a:t>
             </a:r>
-            <a:endParaRPr lang="en-US"/>
           </a:p>
           <a:p>
             <a:pPr lvl="2"/>
@@ -1135,7 +1221,6 @@
               <a:rPr lang="en-US"/>
               <a:t>Third level</a:t>
             </a:r>
-            <a:endParaRPr lang="en-US"/>
           </a:p>
           <a:p>
             <a:pPr lvl="3"/>
@@ -1143,7 +1228,6 @@
               <a:rPr lang="en-US"/>
               <a:t>Fourth level</a:t>
             </a:r>
-            <a:endParaRPr lang="en-US"/>
           </a:p>
           <a:p>
             <a:pPr lvl="4"/>
@@ -1151,7 +1235,6 @@
               <a:rPr lang="en-US"/>
               <a:t>Fifth level</a:t>
             </a:r>
-            <a:endParaRPr lang="en-US"/>
           </a:p>
         </p:txBody>
       </p:sp>
@@ -1172,6 +1255,7 @@
           <a:p>
             <a:fld id="{5BCAD085-E8A6-8845-BD4E-CB4CCA059FC4}" type="datetimeFigureOut">
               <a:rPr lang="en-US" smtClean="0"/>
+              <a:t>3/26/25</a:t>
             </a:fld>
             <a:endParaRPr lang="en-US"/>
           </a:p>
@@ -1213,6 +1297,7 @@
           <a:p>
             <a:fld id="{C1FF6DA9-008F-8B48-92A6-B652298478BF}" type="slidenum">
               <a:rPr lang="en-US" smtClean="0"/>
+              <a:t>‹#›</a:t>
             </a:fld>
             <a:endParaRPr lang="en-US"/>
           </a:p>
@@ -1267,7 +1352,6 @@
               <a:rPr lang="en-US"/>
               <a:t>Click to edit Master title style</a:t>
             </a:r>
-            <a:endParaRPr lang="en-US"/>
           </a:p>
         </p:txBody>
       </p:sp>
@@ -1296,7 +1380,6 @@
               <a:rPr lang="en-US"/>
               <a:t>Click to edit Master text styles</a:t>
             </a:r>
-            <a:endParaRPr lang="en-US"/>
           </a:p>
           <a:p>
             <a:pPr lvl="1"/>
@@ -1304,7 +1387,6 @@
               <a:rPr lang="en-US"/>
               <a:t>Second level</a:t>
             </a:r>
-            <a:endParaRPr lang="en-US"/>
           </a:p>
           <a:p>
             <a:pPr lvl="2"/>
@@ -1312,7 +1394,6 @@
               <a:rPr lang="en-US"/>
               <a:t>Third level</a:t>
             </a:r>
-            <a:endParaRPr lang="en-US"/>
           </a:p>
           <a:p>
             <a:pPr lvl="3"/>
@@ -1320,7 +1401,6 @@
               <a:rPr lang="en-US"/>
               <a:t>Fourth level</a:t>
             </a:r>
-            <a:endParaRPr lang="en-US"/>
           </a:p>
           <a:p>
             <a:pPr lvl="4"/>
@@ -1328,7 +1408,6 @@
               <a:rPr lang="en-US"/>
               <a:t>Fifth level</a:t>
             </a:r>
-            <a:endParaRPr lang="en-US"/>
           </a:p>
         </p:txBody>
       </p:sp>
@@ -1349,6 +1428,7 @@
           <a:p>
             <a:fld id="{5BCAD085-E8A6-8845-BD4E-CB4CCA059FC4}" type="datetimeFigureOut">
               <a:rPr lang="en-US" smtClean="0"/>
+              <a:t>3/26/25</a:t>
             </a:fld>
             <a:endParaRPr lang="en-US"/>
           </a:p>
@@ -1390,6 +1470,7 @@
           <a:p>
             <a:fld id="{C1FF6DA9-008F-8B48-92A6-B652298478BF}" type="slidenum">
               <a:rPr lang="en-US" smtClean="0"/>
+              <a:t>‹#›</a:t>
             </a:fld>
             <a:endParaRPr lang="en-US"/>
           </a:p>
@@ -1439,7 +1520,6 @@
               <a:rPr lang="en-US"/>
               <a:t>Click to edit Master title style</a:t>
             </a:r>
-            <a:endParaRPr lang="en-US"/>
           </a:p>
         </p:txBody>
       </p:sp>
@@ -1463,7 +1543,6 @@
               <a:rPr lang="en-US"/>
               <a:t>Click to edit Master text styles</a:t>
             </a:r>
-            <a:endParaRPr lang="en-US"/>
           </a:p>
           <a:p>
             <a:pPr lvl="1"/>
@@ -1471,7 +1550,6 @@
               <a:rPr lang="en-US"/>
               <a:t>Second level</a:t>
             </a:r>
-            <a:endParaRPr lang="en-US"/>
           </a:p>
           <a:p>
             <a:pPr lvl="2"/>
@@ -1479,7 +1557,6 @@
               <a:rPr lang="en-US"/>
               <a:t>Third level</a:t>
             </a:r>
-            <a:endParaRPr lang="en-US"/>
           </a:p>
           <a:p>
             <a:pPr lvl="3"/>
@@ -1487,7 +1564,6 @@
               <a:rPr lang="en-US"/>
               <a:t>Fourth level</a:t>
             </a:r>
-            <a:endParaRPr lang="en-US"/>
           </a:p>
           <a:p>
             <a:pPr lvl="4"/>
@@ -1495,7 +1571,6 @@
               <a:rPr lang="en-US"/>
               <a:t>Fifth level</a:t>
             </a:r>
-            <a:endParaRPr lang="en-US"/>
           </a:p>
         </p:txBody>
       </p:sp>
@@ -1516,6 +1591,7 @@
           <a:p>
             <a:fld id="{5BCAD085-E8A6-8845-BD4E-CB4CCA059FC4}" type="datetimeFigureOut">
               <a:rPr lang="en-US" smtClean="0"/>
+              <a:t>3/26/25</a:t>
             </a:fld>
             <a:endParaRPr lang="en-US"/>
           </a:p>
@@ -1557,6 +1633,7 @@
           <a:p>
             <a:fld id="{C1FF6DA9-008F-8B48-92A6-B652298478BF}" type="slidenum">
               <a:rPr lang="en-US" smtClean="0"/>
+              <a:t>‹#›</a:t>
             </a:fld>
             <a:endParaRPr lang="en-US"/>
           </a:p>
@@ -1615,7 +1692,6 @@
               <a:rPr lang="en-US"/>
               <a:t>Click to edit Master title style</a:t>
             </a:r>
-            <a:endParaRPr lang="en-US"/>
           </a:p>
         </p:txBody>
       </p:sp>
@@ -1735,7 +1811,6 @@
               <a:rPr lang="en-US"/>
               <a:t>Click to edit Master text styles</a:t>
             </a:r>
-            <a:endParaRPr lang="en-US"/>
           </a:p>
         </p:txBody>
       </p:sp>
@@ -1756,6 +1831,7 @@
           <a:p>
             <a:fld id="{5BCAD085-E8A6-8845-BD4E-CB4CCA059FC4}" type="datetimeFigureOut">
               <a:rPr lang="en-US" smtClean="0"/>
+              <a:t>3/26/25</a:t>
             </a:fld>
             <a:endParaRPr lang="en-US"/>
           </a:p>
@@ -1797,6 +1873,7 @@
           <a:p>
             <a:fld id="{C1FF6DA9-008F-8B48-92A6-B652298478BF}" type="slidenum">
               <a:rPr lang="en-US" smtClean="0"/>
+              <a:t>‹#›</a:t>
             </a:fld>
             <a:endParaRPr lang="en-US"/>
           </a:p>
@@ -1846,7 +1923,6 @@
               <a:rPr lang="en-US"/>
               <a:t>Click to edit Master title style</a:t>
             </a:r>
-            <a:endParaRPr lang="en-US"/>
           </a:p>
         </p:txBody>
       </p:sp>
@@ -1903,7 +1979,6 @@
               <a:rPr lang="en-US"/>
               <a:t>Click to edit Master text styles</a:t>
             </a:r>
-            <a:endParaRPr lang="en-US"/>
           </a:p>
           <a:p>
             <a:pPr lvl="1"/>
@@ -1911,7 +1986,6 @@
               <a:rPr lang="en-US"/>
               <a:t>Second level</a:t>
             </a:r>
-            <a:endParaRPr lang="en-US"/>
           </a:p>
           <a:p>
             <a:pPr lvl="2"/>
@@ -1919,7 +1993,6 @@
               <a:rPr lang="en-US"/>
               <a:t>Third level</a:t>
             </a:r>
-            <a:endParaRPr lang="en-US"/>
           </a:p>
           <a:p>
             <a:pPr lvl="3"/>
@@ -1927,7 +2000,6 @@
               <a:rPr lang="en-US"/>
               <a:t>Fourth level</a:t>
             </a:r>
-            <a:endParaRPr lang="en-US"/>
           </a:p>
           <a:p>
             <a:pPr lvl="4"/>
@@ -1935,7 +2007,6 @@
               <a:rPr lang="en-US"/>
               <a:t>Fifth level</a:t>
             </a:r>
-            <a:endParaRPr lang="en-US"/>
           </a:p>
         </p:txBody>
       </p:sp>
@@ -1992,7 +2063,6 @@
               <a:rPr lang="en-US"/>
               <a:t>Click to edit Master text styles</a:t>
             </a:r>
-            <a:endParaRPr lang="en-US"/>
           </a:p>
           <a:p>
             <a:pPr lvl="1"/>
@@ -2000,7 +2070,6 @@
               <a:rPr lang="en-US"/>
               <a:t>Second level</a:t>
             </a:r>
-            <a:endParaRPr lang="en-US"/>
           </a:p>
           <a:p>
             <a:pPr lvl="2"/>
@@ -2008,7 +2077,6 @@
               <a:rPr lang="en-US"/>
               <a:t>Third level</a:t>
             </a:r>
-            <a:endParaRPr lang="en-US"/>
           </a:p>
           <a:p>
             <a:pPr lvl="3"/>
@@ -2016,7 +2084,6 @@
               <a:rPr lang="en-US"/>
               <a:t>Fourth level</a:t>
             </a:r>
-            <a:endParaRPr lang="en-US"/>
           </a:p>
           <a:p>
             <a:pPr lvl="4"/>
@@ -2024,7 +2091,6 @@
               <a:rPr lang="en-US"/>
               <a:t>Fifth level</a:t>
             </a:r>
-            <a:endParaRPr lang="en-US"/>
           </a:p>
         </p:txBody>
       </p:sp>
@@ -2045,6 +2111,7 @@
           <a:p>
             <a:fld id="{5BCAD085-E8A6-8845-BD4E-CB4CCA059FC4}" type="datetimeFigureOut">
               <a:rPr lang="en-US" smtClean="0"/>
+              <a:t>3/26/25</a:t>
             </a:fld>
             <a:endParaRPr lang="en-US"/>
           </a:p>
@@ -2086,6 +2153,7 @@
           <a:p>
             <a:fld id="{C1FF6DA9-008F-8B48-92A6-B652298478BF}" type="slidenum">
               <a:rPr lang="en-US" smtClean="0"/>
+              <a:t>‹#›</a:t>
             </a:fld>
             <a:endParaRPr lang="en-US"/>
           </a:p>
@@ -2139,7 +2207,6 @@
               <a:rPr lang="en-US"/>
               <a:t>Click to edit Master title style</a:t>
             </a:r>
-            <a:endParaRPr lang="en-US"/>
           </a:p>
         </p:txBody>
       </p:sp>
@@ -2205,7 +2272,6 @@
               <a:rPr lang="en-US"/>
               <a:t>Click to edit Master text styles</a:t>
             </a:r>
-            <a:endParaRPr lang="en-US"/>
           </a:p>
         </p:txBody>
       </p:sp>
@@ -2262,7 +2328,6 @@
               <a:rPr lang="en-US"/>
               <a:t>Click to edit Master text styles</a:t>
             </a:r>
-            <a:endParaRPr lang="en-US"/>
           </a:p>
           <a:p>
             <a:pPr lvl="1"/>
@@ -2270,7 +2335,6 @@
               <a:rPr lang="en-US"/>
               <a:t>Second level</a:t>
             </a:r>
-            <a:endParaRPr lang="en-US"/>
           </a:p>
           <a:p>
             <a:pPr lvl="2"/>
@@ -2278,7 +2342,6 @@
               <a:rPr lang="en-US"/>
               <a:t>Third level</a:t>
             </a:r>
-            <a:endParaRPr lang="en-US"/>
           </a:p>
           <a:p>
             <a:pPr lvl="3"/>
@@ -2286,7 +2349,6 @@
               <a:rPr lang="en-US"/>
               <a:t>Fourth level</a:t>
             </a:r>
-            <a:endParaRPr lang="en-US"/>
           </a:p>
           <a:p>
             <a:pPr lvl="4"/>
@@ -2294,7 +2356,6 @@
               <a:rPr lang="en-US"/>
               <a:t>Fifth level</a:t>
             </a:r>
-            <a:endParaRPr lang="en-US"/>
           </a:p>
         </p:txBody>
       </p:sp>
@@ -2360,7 +2421,6 @@
               <a:rPr lang="en-US"/>
               <a:t>Click to edit Master text styles</a:t>
             </a:r>
-            <a:endParaRPr lang="en-US"/>
           </a:p>
         </p:txBody>
       </p:sp>
@@ -2417,7 +2477,6 @@
               <a:rPr lang="en-US"/>
               <a:t>Click to edit Master text styles</a:t>
             </a:r>
-            <a:endParaRPr lang="en-US"/>
           </a:p>
           <a:p>
             <a:pPr lvl="1"/>
@@ -2425,7 +2484,6 @@
               <a:rPr lang="en-US"/>
               <a:t>Second level</a:t>
             </a:r>
-            <a:endParaRPr lang="en-US"/>
           </a:p>
           <a:p>
             <a:pPr lvl="2"/>
@@ -2433,7 +2491,6 @@
               <a:rPr lang="en-US"/>
               <a:t>Third level</a:t>
             </a:r>
-            <a:endParaRPr lang="en-US"/>
           </a:p>
           <a:p>
             <a:pPr lvl="3"/>
@@ -2441,7 +2498,6 @@
               <a:rPr lang="en-US"/>
               <a:t>Fourth level</a:t>
             </a:r>
-            <a:endParaRPr lang="en-US"/>
           </a:p>
           <a:p>
             <a:pPr lvl="4"/>
@@ -2449,7 +2505,6 @@
               <a:rPr lang="en-US"/>
               <a:t>Fifth level</a:t>
             </a:r>
-            <a:endParaRPr lang="en-US"/>
           </a:p>
         </p:txBody>
       </p:sp>
@@ -2470,6 +2525,7 @@
           <a:p>
             <a:fld id="{5BCAD085-E8A6-8845-BD4E-CB4CCA059FC4}" type="datetimeFigureOut">
               <a:rPr lang="en-US" smtClean="0"/>
+              <a:t>3/26/25</a:t>
             </a:fld>
             <a:endParaRPr lang="en-US"/>
           </a:p>
@@ -2511,6 +2567,7 @@
           <a:p>
             <a:fld id="{C1FF6DA9-008F-8B48-92A6-B652298478BF}" type="slidenum">
               <a:rPr lang="en-US" smtClean="0"/>
+              <a:t>‹#›</a:t>
             </a:fld>
             <a:endParaRPr lang="en-US"/>
           </a:p>
@@ -2560,7 +2617,6 @@
               <a:rPr lang="en-US"/>
               <a:t>Click to edit Master title style</a:t>
             </a:r>
-            <a:endParaRPr lang="en-US"/>
           </a:p>
         </p:txBody>
       </p:sp>
@@ -2581,6 +2637,7 @@
           <a:p>
             <a:fld id="{5BCAD085-E8A6-8845-BD4E-CB4CCA059FC4}" type="datetimeFigureOut">
               <a:rPr lang="en-US" smtClean="0"/>
+              <a:t>3/26/25</a:t>
             </a:fld>
             <a:endParaRPr lang="en-US"/>
           </a:p>
@@ -2622,6 +2679,7 @@
           <a:p>
             <a:fld id="{C1FF6DA9-008F-8B48-92A6-B652298478BF}" type="slidenum">
               <a:rPr lang="en-US" smtClean="0"/>
+              <a:t>‹#›</a:t>
             </a:fld>
             <a:endParaRPr lang="en-US"/>
           </a:p>
@@ -2669,6 +2727,7 @@
           <a:p>
             <a:fld id="{5BCAD085-E8A6-8845-BD4E-CB4CCA059FC4}" type="datetimeFigureOut">
               <a:rPr lang="en-US" smtClean="0"/>
+              <a:t>3/26/25</a:t>
             </a:fld>
             <a:endParaRPr lang="en-US"/>
           </a:p>
@@ -2710,6 +2769,7 @@
           <a:p>
             <a:fld id="{C1FF6DA9-008F-8B48-92A6-B652298478BF}" type="slidenum">
               <a:rPr lang="en-US" smtClean="0"/>
+              <a:t>‹#›</a:t>
             </a:fld>
             <a:endParaRPr lang="en-US"/>
           </a:p>
@@ -2768,7 +2828,6 @@
               <a:rPr lang="en-US"/>
               <a:t>Click to edit Master title style</a:t>
             </a:r>
-            <a:endParaRPr lang="en-US"/>
           </a:p>
         </p:txBody>
       </p:sp>
@@ -2825,7 +2884,6 @@
               <a:rPr lang="en-US"/>
               <a:t>Click to edit Master text styles</a:t>
             </a:r>
-            <a:endParaRPr lang="en-US"/>
           </a:p>
           <a:p>
             <a:pPr lvl="1"/>
@@ -2833,7 +2891,6 @@
               <a:rPr lang="en-US"/>
               <a:t>Second level</a:t>
             </a:r>
-            <a:endParaRPr lang="en-US"/>
           </a:p>
           <a:p>
             <a:pPr lvl="2"/>
@@ -2841,7 +2898,6 @@
               <a:rPr lang="en-US"/>
               <a:t>Third level</a:t>
             </a:r>
-            <a:endParaRPr lang="en-US"/>
           </a:p>
           <a:p>
             <a:pPr lvl="3"/>
@@ -2849,7 +2905,6 @@
               <a:rPr lang="en-US"/>
               <a:t>Fourth level</a:t>
             </a:r>
-            <a:endParaRPr lang="en-US"/>
           </a:p>
           <a:p>
             <a:pPr lvl="4"/>
@@ -2857,7 +2912,6 @@
               <a:rPr lang="en-US"/>
               <a:t>Fifth level</a:t>
             </a:r>
-            <a:endParaRPr lang="en-US"/>
           </a:p>
         </p:txBody>
       </p:sp>
@@ -2923,7 +2977,6 @@
               <a:rPr lang="en-US"/>
               <a:t>Click to edit Master text styles</a:t>
             </a:r>
-            <a:endParaRPr lang="en-US"/>
           </a:p>
         </p:txBody>
       </p:sp>
@@ -2944,6 +2997,7 @@
           <a:p>
             <a:fld id="{5BCAD085-E8A6-8845-BD4E-CB4CCA059FC4}" type="datetimeFigureOut">
               <a:rPr lang="en-US" smtClean="0"/>
+              <a:t>3/26/25</a:t>
             </a:fld>
             <a:endParaRPr lang="en-US"/>
           </a:p>
@@ -2985,6 +3039,7 @@
           <a:p>
             <a:fld id="{C1FF6DA9-008F-8B48-92A6-B652298478BF}" type="slidenum">
               <a:rPr lang="en-US" smtClean="0"/>
+              <a:t>‹#›</a:t>
             </a:fld>
             <a:endParaRPr lang="en-US"/>
           </a:p>
@@ -3043,7 +3098,6 @@
               <a:rPr lang="en-US"/>
               <a:t>Click to edit Master title style</a:t>
             </a:r>
-            <a:endParaRPr lang="en-US"/>
           </a:p>
         </p:txBody>
       </p:sp>
@@ -3170,7 +3224,6 @@
               <a:rPr lang="en-US"/>
               <a:t>Click to edit Master text styles</a:t>
             </a:r>
-            <a:endParaRPr lang="en-US"/>
           </a:p>
         </p:txBody>
       </p:sp>
@@ -3191,6 +3244,7 @@
           <a:p>
             <a:fld id="{5BCAD085-E8A6-8845-BD4E-CB4CCA059FC4}" type="datetimeFigureOut">
               <a:rPr lang="en-US" smtClean="0"/>
+              <a:t>3/26/25</a:t>
             </a:fld>
             <a:endParaRPr lang="en-US"/>
           </a:p>
@@ -3232,6 +3286,7 @@
           <a:p>
             <a:fld id="{C1FF6DA9-008F-8B48-92A6-B652298478BF}" type="slidenum">
               <a:rPr lang="en-US" smtClean="0"/>
+              <a:t>‹#›</a:t>
             </a:fld>
             <a:endParaRPr lang="en-US"/>
           </a:p>
@@ -3296,7 +3351,6 @@
               <a:rPr lang="en-US"/>
               <a:t>Click to edit Master title style</a:t>
             </a:r>
-            <a:endParaRPr lang="en-US"/>
           </a:p>
         </p:txBody>
       </p:sp>
@@ -3330,7 +3384,6 @@
               <a:rPr lang="en-US"/>
               <a:t>Click to edit Master text styles</a:t>
             </a:r>
-            <a:endParaRPr lang="en-US"/>
           </a:p>
           <a:p>
             <a:pPr lvl="1"/>
@@ -3338,7 +3391,6 @@
               <a:rPr lang="en-US"/>
               <a:t>Second level</a:t>
             </a:r>
-            <a:endParaRPr lang="en-US"/>
           </a:p>
           <a:p>
             <a:pPr lvl="2"/>
@@ -3346,7 +3398,6 @@
               <a:rPr lang="en-US"/>
               <a:t>Third level</a:t>
             </a:r>
-            <a:endParaRPr lang="en-US"/>
           </a:p>
           <a:p>
             <a:pPr lvl="3"/>
@@ -3354,7 +3405,6 @@
               <a:rPr lang="en-US"/>
               <a:t>Fourth level</a:t>
             </a:r>
-            <a:endParaRPr lang="en-US"/>
           </a:p>
           <a:p>
             <a:pPr lvl="4"/>
@@ -3362,7 +3412,6 @@
               <a:rPr lang="en-US"/>
               <a:t>Fifth level</a:t>
             </a:r>
-            <a:endParaRPr lang="en-US"/>
           </a:p>
         </p:txBody>
       </p:sp>
@@ -3401,6 +3450,7 @@
           <a:p>
             <a:fld id="{5BCAD085-E8A6-8845-BD4E-CB4CCA059FC4}" type="datetimeFigureOut">
               <a:rPr lang="en-US" smtClean="0"/>
+              <a:t>3/26/25</a:t>
             </a:fld>
             <a:endParaRPr lang="en-US"/>
           </a:p>
@@ -3478,6 +3528,7 @@
           <a:p>
             <a:fld id="{C1FF6DA9-008F-8B48-92A6-B652298478BF}" type="slidenum">
               <a:rPr lang="en-US" smtClean="0"/>
+              <a:t>‹#›</a:t>
             </a:fld>
             <a:endParaRPr lang="en-US"/>
           </a:p>
@@ -3801,7 +3852,6 @@
               <a:rPr dirty="0"/>
               <a:t> System</a:t>
             </a:r>
-            <a:endParaRPr dirty="0"/>
           </a:p>
         </p:txBody>
       </p:sp>
@@ -3876,13 +3926,6 @@
               </a:rPr>
               <a:t>Team Name – Code Warriors</a:t>
             </a:r>
-            <a:endParaRPr lang="en-US" sz="2400" dirty="0">
-              <a:solidFill>
-                <a:schemeClr val="bg2">
-                  <a:lumMod val="10000"/>
-                </a:schemeClr>
-              </a:solidFill>
-            </a:endParaRPr>
           </a:p>
           <a:p>
             <a:pPr marL="742950" lvl="1" indent="-285750" algn="l">
@@ -3899,13 +3942,6 @@
               </a:rPr>
               <a:t>Veerabhadra Dharmapuri</a:t>
             </a:r>
-            <a:endParaRPr lang="en-US" sz="1900" b="1" dirty="0">
-              <a:solidFill>
-                <a:schemeClr val="accent6">
-                  <a:lumMod val="50000"/>
-                </a:schemeClr>
-              </a:solidFill>
-            </a:endParaRPr>
           </a:p>
           <a:p>
             <a:pPr marL="742950" lvl="1" indent="-285750" algn="l">
@@ -3998,13 +4034,6 @@
               </a:rPr>
               <a:t>Siva Prasad V Pakala</a:t>
             </a:r>
-            <a:endParaRPr lang="en-US" sz="1900" b="1" dirty="0">
-              <a:solidFill>
-                <a:schemeClr val="accent6">
-                  <a:lumMod val="50000"/>
-                </a:schemeClr>
-              </a:solidFill>
-            </a:endParaRPr>
           </a:p>
           <a:p>
             <a:pPr marL="742950" lvl="1" indent="-285750" algn="l">
@@ -4021,13 +4050,6 @@
               </a:rPr>
               <a:t>Vinaya R</a:t>
             </a:r>
-            <a:endParaRPr lang="en-US" sz="1900" b="1" dirty="0">
-              <a:solidFill>
-                <a:schemeClr val="accent6">
-                  <a:lumMod val="50000"/>
-                </a:schemeClr>
-              </a:solidFill>
-            </a:endParaRPr>
           </a:p>
         </p:txBody>
       </p:sp>
@@ -4056,6 +4078,145 @@
           <a:chExt cx="0" cy="0"/>
         </a:xfrm>
       </p:grpSpPr>
+      <p:sp>
+        <p:nvSpPr>
+          <p:cNvPr id="2" name="Title 1"/>
+          <p:cNvSpPr>
+            <a:spLocks noGrp="1"/>
+          </p:cNvSpPr>
+          <p:nvPr>
+            <p:ph type="title"/>
+          </p:nvPr>
+        </p:nvSpPr>
+        <p:spPr/>
+        <p:txBody>
+          <a:bodyPr/>
+          <a:lstStyle/>
+          <a:p>
+            <a:pPr algn="l"/>
+            <a:r>
+              <a:rPr lang="en-GB" dirty="0">
+                <a:solidFill>
+                  <a:srgbClr val="FF0000"/>
+                </a:solidFill>
+              </a:rPr>
+              <a:t>Solution </a:t>
+            </a:r>
+            <a:r>
+              <a:rPr dirty="0">
+                <a:solidFill>
+                  <a:srgbClr val="FF0000"/>
+                </a:solidFill>
+              </a:rPr>
+              <a:t>Key </a:t>
+            </a:r>
+            <a:r>
+              <a:rPr sz="4000" dirty="0">
+                <a:solidFill>
+                  <a:srgbClr val="FF0000"/>
+                </a:solidFill>
+              </a:rPr>
+              <a:t>Features</a:t>
+            </a:r>
+          </a:p>
+        </p:txBody>
+      </p:sp>
+      <p:sp>
+        <p:nvSpPr>
+          <p:cNvPr id="5" name="Content Placeholder 4">
+            <a:extLst>
+              <a:ext uri="{FF2B5EF4-FFF2-40B4-BE49-F238E27FC236}">
+                <a16:creationId xmlns:a16="http://schemas.microsoft.com/office/drawing/2014/main" id="{05E7464A-E087-CD0A-D5C4-34ADA0600ABC}"/>
+              </a:ext>
+            </a:extLst>
+          </p:cNvPr>
+          <p:cNvSpPr>
+            <a:spLocks noGrp="1"/>
+          </p:cNvSpPr>
+          <p:nvPr>
+            <p:ph idx="1"/>
+          </p:nvPr>
+        </p:nvSpPr>
+        <p:spPr/>
+        <p:txBody>
+          <a:bodyPr>
+            <a:normAutofit fontScale="92500" lnSpcReduction="10000"/>
+          </a:bodyPr>
+          <a:lstStyle/>
+          <a:p>
+            <a:r>
+              <a:rPr lang="en-US" dirty="0"/>
+              <a:t>Fully Completed live running solution hosted on GCP</a:t>
+            </a:r>
+          </a:p>
+          <a:p>
+            <a:r>
+              <a:rPr lang="en-US" dirty="0"/>
+              <a:t>Multilingual support</a:t>
+            </a:r>
+          </a:p>
+          <a:p>
+            <a:r>
+              <a:rPr lang="en-US" dirty="0"/>
+              <a:t>User friendly light weight UI</a:t>
+            </a:r>
+          </a:p>
+          <a:p>
+            <a:r>
+              <a:rPr lang="en-US" dirty="0"/>
+              <a:t>More Accurate with Recommendation</a:t>
+            </a:r>
+          </a:p>
+          <a:p>
+            <a:r>
+              <a:rPr lang="en-US" dirty="0"/>
+              <a:t>Enabled for all verities of input types text, Audio, image, pdf, docx file input.</a:t>
+            </a:r>
+          </a:p>
+          <a:p>
+            <a:r>
+              <a:rPr lang="en-US" dirty="0"/>
+              <a:t>Pluggable solution with any platform ( Banking, E-Commerce, Social Media)</a:t>
+            </a:r>
+          </a:p>
+          <a:p>
+            <a:endParaRPr lang="en-US" dirty="0"/>
+          </a:p>
+          <a:p>
+            <a:endParaRPr lang="en-US" dirty="0"/>
+          </a:p>
+        </p:txBody>
+      </p:sp>
+    </p:spTree>
+    <p:extLst>
+      <p:ext uri="{BB962C8B-B14F-4D97-AF65-F5344CB8AC3E}">
+        <p14:creationId xmlns:p14="http://schemas.microsoft.com/office/powerpoint/2010/main" val="2759569666"/>
+      </p:ext>
+    </p:extLst>
+  </p:cSld>
+  <p:clrMapOvr>
+    <a:masterClrMapping/>
+  </p:clrMapOvr>
+</p:sld>
+</file>
+
+<file path=ppt/slides/slide11.xml><?xml version="1.0" encoding="utf-8"?>
+<p:sld xmlns:a="http://schemas.openxmlformats.org/drawingml/2006/main" xmlns:r="http://schemas.openxmlformats.org/officeDocument/2006/relationships" xmlns:p="http://schemas.openxmlformats.org/presentationml/2006/main">
+  <p:cSld>
+    <p:spTree>
+      <p:nvGrpSpPr>
+        <p:cNvPr id="1" name=""/>
+        <p:cNvGrpSpPr/>
+        <p:nvPr/>
+      </p:nvGrpSpPr>
+      <p:grpSpPr>
+        <a:xfrm>
+          <a:off x="0" y="0"/>
+          <a:ext cx="0" cy="0"/>
+          <a:chOff x="0" y="0"/>
+          <a:chExt cx="0" cy="0"/>
+        </a:xfrm>
+      </p:grpSpPr>
       <p:pic>
         <p:nvPicPr>
           <p:cNvPr id="4" name="Picture 3"/>
@@ -4065,7 +4226,7 @@
           <p:nvPr/>
         </p:nvPicPr>
         <p:blipFill>
-          <a:blip r:embed="rId1"/>
+          <a:blip r:embed="rId2"/>
           <a:stretch>
             <a:fillRect/>
           </a:stretch>
@@ -4088,7 +4249,7 @@
 </p:sld>
 </file>
 
-<file path=ppt/slides/slide11.xml><?xml version="1.0" encoding="utf-8"?>
+<file path=ppt/slides/slide12.xml><?xml version="1.0" encoding="utf-8"?>
 <p:sld xmlns:a="http://schemas.openxmlformats.org/drawingml/2006/main" xmlns:r="http://schemas.openxmlformats.org/officeDocument/2006/relationships" xmlns:p="http://schemas.openxmlformats.org/presentationml/2006/main">
   <p:cSld>
     <p:bg>
@@ -4295,14 +4456,6 @@
               </a:rPr>
               <a:t>Tech Stack</a:t>
             </a:r>
-            <a:endParaRPr lang="en-US" sz="4000" kern="1200" dirty="0">
-              <a:solidFill>
-                <a:schemeClr val="tx1"/>
-              </a:solidFill>
-              <a:latin typeface="+mn-lt"/>
-              <a:ea typeface="+mj-ea"/>
-              <a:cs typeface="+mj-cs"/>
-            </a:endParaRPr>
           </a:p>
         </p:txBody>
       </p:sp>
@@ -4325,8 +4478,20 @@
                 <a:tableStyleId>{5C22544A-7EE6-4342-B048-85BDC9FD1C3A}</a:tableStyleId>
               </a:tblPr>
               <a:tblGrid>
-                <a:gridCol w="2377138"/>
-                <a:gridCol w="3376868"/>
+                <a:gridCol w="2377138">
+                  <a:extLst>
+                    <a:ext uri="{9D8B030D-6E8A-4147-A177-3AD203B41FA5}">
+                      <a16:colId xmlns:a16="http://schemas.microsoft.com/office/drawing/2014/main" val="20000"/>
+                    </a:ext>
+                  </a:extLst>
+                </a:gridCol>
+                <a:gridCol w="3376868">
+                  <a:extLst>
+                    <a:ext uri="{9D8B030D-6E8A-4147-A177-3AD203B41FA5}">
+                      <a16:colId xmlns:a16="http://schemas.microsoft.com/office/drawing/2014/main" val="20001"/>
+                    </a:ext>
+                  </a:extLst>
+                </a:gridCol>
               </a:tblGrid>
               <a:tr h="470904">
                 <a:tc>
@@ -4340,9 +4505,6 @@
                         </a:rPr>
                         <a:t>Layer</a:t>
                       </a:r>
-                      <a:endParaRPr lang="en-IN" sz="2400" dirty="0">
-                        <a:latin typeface="+mn-lt"/>
-                      </a:endParaRPr>
                     </a:p>
                   </a:txBody>
                   <a:tcPr marL="71661" marR="71661" marT="35830" marB="35830"/>
@@ -4358,13 +4520,15 @@
                         </a:rPr>
                         <a:t>Tools Used</a:t>
                       </a:r>
-                      <a:endParaRPr lang="en-IN" sz="2400" dirty="0">
-                        <a:latin typeface="+mn-lt"/>
-                      </a:endParaRPr>
                     </a:p>
                   </a:txBody>
                   <a:tcPr marL="71661" marR="71661" marT="35830" marB="35830"/>
                 </a:tc>
+                <a:extLst>
+                  <a:ext uri="{0D108BD9-81ED-4DB2-BD59-A6C34878D82A}">
+                    <a16:rowId xmlns:a16="http://schemas.microsoft.com/office/drawing/2014/main" val="10000"/>
+                  </a:ext>
+                </a:extLst>
               </a:tr>
               <a:tr h="689558">
                 <a:tc>
@@ -4378,9 +4542,6 @@
                         </a:rPr>
                         <a:t>LLM Integration</a:t>
                       </a:r>
-                      <a:endParaRPr lang="en-IN" sz="2000" dirty="0">
-                        <a:latin typeface="+mn-lt"/>
-                      </a:endParaRPr>
                     </a:p>
                   </a:txBody>
                   <a:tcPr marL="71661" marR="71661" marT="35830" marB="35830"/>
@@ -4422,11 +4583,15 @@
                         <a:rPr lang="en-US" sz="2000" dirty="0"/>
                         <a:t>Mistral-7B (Hugging Face)</a:t>
                       </a:r>
-                      <a:endParaRPr lang="en-US" sz="2000" dirty="0"/>
                     </a:p>
                   </a:txBody>
                   <a:tcPr marL="71661" marR="71661" marT="35830" marB="35830"/>
                 </a:tc>
+                <a:extLst>
+                  <a:ext uri="{0D108BD9-81ED-4DB2-BD59-A6C34878D82A}">
+                    <a16:rowId xmlns:a16="http://schemas.microsoft.com/office/drawing/2014/main" val="10001"/>
+                  </a:ext>
+                </a:extLst>
               </a:tr>
               <a:tr h="410008">
                 <a:tc>
@@ -4440,9 +4605,6 @@
                         </a:rPr>
                         <a:t>Frontend</a:t>
                       </a:r>
-                      <a:endParaRPr lang="en-IN" sz="2000" dirty="0">
-                        <a:latin typeface="+mn-lt"/>
-                      </a:endParaRPr>
                     </a:p>
                   </a:txBody>
                   <a:tcPr marL="71661" marR="71661" marT="35830" marB="35830"/>
@@ -4458,13 +4620,15 @@
                         </a:rPr>
                         <a:t>Streamlit</a:t>
                       </a:r>
-                      <a:endParaRPr lang="en-IN" sz="2000">
-                        <a:latin typeface="+mn-lt"/>
-                      </a:endParaRPr>
                     </a:p>
                   </a:txBody>
                   <a:tcPr marL="71661" marR="71661" marT="35830" marB="35830"/>
                 </a:tc>
+                <a:extLst>
+                  <a:ext uri="{0D108BD9-81ED-4DB2-BD59-A6C34878D82A}">
+                    <a16:rowId xmlns:a16="http://schemas.microsoft.com/office/drawing/2014/main" val="10002"/>
+                  </a:ext>
+                </a:extLst>
               </a:tr>
               <a:tr h="410008">
                 <a:tc>
@@ -4478,9 +4642,6 @@
                         </a:rPr>
                         <a:t>Backend</a:t>
                       </a:r>
-                      <a:endParaRPr lang="en-IN" sz="2000" dirty="0">
-                        <a:latin typeface="+mn-lt"/>
-                      </a:endParaRPr>
                     </a:p>
                   </a:txBody>
                   <a:tcPr marL="71661" marR="71661" marT="35830" marB="35830"/>
@@ -4515,6 +4676,11 @@
                   </a:txBody>
                   <a:tcPr marL="71661" marR="71661" marT="35830" marB="35830"/>
                 </a:tc>
+                <a:extLst>
+                  <a:ext uri="{0D108BD9-81ED-4DB2-BD59-A6C34878D82A}">
+                    <a16:rowId xmlns:a16="http://schemas.microsoft.com/office/drawing/2014/main" val="10003"/>
+                  </a:ext>
+                </a:extLst>
               </a:tr>
               <a:tr h="733410">
                 <a:tc>
@@ -4528,9 +4694,6 @@
                         </a:rPr>
                         <a:t>Data Processing</a:t>
                       </a:r>
-                      <a:endParaRPr lang="en-IN" sz="2000" dirty="0">
-                        <a:latin typeface="+mn-lt"/>
-                      </a:endParaRPr>
                     </a:p>
                   </a:txBody>
                   <a:tcPr marL="71661" marR="71661" marT="35830" marB="35830"/>
@@ -4546,13 +4709,15 @@
                         </a:rPr>
                         <a:t>Pandas, JSON, Sentence Transformers</a:t>
                       </a:r>
-                      <a:endParaRPr lang="en-IN" sz="2000">
-                        <a:latin typeface="+mn-lt"/>
-                      </a:endParaRPr>
                     </a:p>
                   </a:txBody>
                   <a:tcPr marL="71661" marR="71661" marT="35830" marB="35830"/>
                 </a:tc>
+                <a:extLst>
+                  <a:ext uri="{0D108BD9-81ED-4DB2-BD59-A6C34878D82A}">
+                    <a16:rowId xmlns:a16="http://schemas.microsoft.com/office/drawing/2014/main" val="10004"/>
+                  </a:ext>
+                </a:extLst>
               </a:tr>
               <a:tr h="733410">
                 <a:tc>
@@ -4566,9 +4731,6 @@
                         </a:rPr>
                         <a:t>Audio Input</a:t>
                       </a:r>
-                      <a:endParaRPr lang="en-IN" sz="2000">
-                        <a:latin typeface="+mn-lt"/>
-                      </a:endParaRPr>
                     </a:p>
                   </a:txBody>
                   <a:tcPr marL="71661" marR="71661" marT="35830" marB="35830"/>
@@ -4584,13 +4746,15 @@
                         </a:rPr>
                         <a:t>SpeechRecognition, SoundDevice</a:t>
                       </a:r>
-                      <a:endParaRPr lang="en-IN" sz="2000">
-                        <a:latin typeface="+mn-lt"/>
-                      </a:endParaRPr>
                     </a:p>
                   </a:txBody>
                   <a:tcPr marL="71661" marR="71661" marT="35830" marB="35830"/>
                 </a:tc>
+                <a:extLst>
+                  <a:ext uri="{0D108BD9-81ED-4DB2-BD59-A6C34878D82A}">
+                    <a16:rowId xmlns:a16="http://schemas.microsoft.com/office/drawing/2014/main" val="10005"/>
+                  </a:ext>
+                </a:extLst>
               </a:tr>
               <a:tr h="410008">
                 <a:tc>
@@ -4604,9 +4768,6 @@
                         </a:rPr>
                         <a:t>OCR Input</a:t>
                       </a:r>
-                      <a:endParaRPr lang="en-IN" sz="2000">
-                        <a:latin typeface="+mn-lt"/>
-                      </a:endParaRPr>
                     </a:p>
                   </a:txBody>
                   <a:tcPr marL="71661" marR="71661" marT="35830" marB="35830"/>
@@ -4629,91 +4790,16 @@
                   </a:txBody>
                   <a:tcPr marL="71661" marR="71661" marT="35830" marB="35830"/>
                 </a:tc>
+                <a:extLst>
+                  <a:ext uri="{0D108BD9-81ED-4DB2-BD59-A6C34878D82A}">
+                    <a16:rowId xmlns:a16="http://schemas.microsoft.com/office/drawing/2014/main" val="10006"/>
+                  </a:ext>
+                </a:extLst>
               </a:tr>
             </a:tbl>
           </a:graphicData>
         </a:graphic>
       </p:graphicFrame>
-    </p:spTree>
-  </p:cSld>
-  <p:clrMapOvr>
-    <a:masterClrMapping/>
-  </p:clrMapOvr>
-</p:sld>
-</file>
-
-<file path=ppt/slides/slide12.xml><?xml version="1.0" encoding="utf-8"?>
-<p:sld xmlns:a="http://schemas.openxmlformats.org/drawingml/2006/main" xmlns:r="http://schemas.openxmlformats.org/officeDocument/2006/relationships" xmlns:p="http://schemas.openxmlformats.org/presentationml/2006/main">
-  <p:cSld>
-    <p:spTree>
-      <p:nvGrpSpPr>
-        <p:cNvPr id="1" name=""/>
-        <p:cNvGrpSpPr/>
-        <p:nvPr/>
-      </p:nvGrpSpPr>
-      <p:grpSpPr>
-        <a:xfrm>
-          <a:off x="0" y="0"/>
-          <a:ext cx="0" cy="0"/>
-          <a:chOff x="0" y="0"/>
-          <a:chExt cx="0" cy="0"/>
-        </a:xfrm>
-      </p:grpSpPr>
-      <p:sp>
-        <p:nvSpPr>
-          <p:cNvPr id="2" name="Title 1"/>
-          <p:cNvSpPr>
-            <a:spLocks noGrp="1"/>
-          </p:cNvSpPr>
-          <p:nvPr>
-            <p:ph type="title"/>
-          </p:nvPr>
-        </p:nvSpPr>
-        <p:spPr>
-          <a:xfrm>
-            <a:off x="457200" y="274638"/>
-            <a:ext cx="8229600" cy="604136"/>
-          </a:xfrm>
-        </p:spPr>
-        <p:txBody>
-          <a:bodyPr>
-            <a:noAutofit/>
-          </a:bodyPr>
-          <a:lstStyle/>
-          <a:p>
-            <a:pPr algn="l"/>
-            <a:r>
-              <a:rPr lang="en-US" sz="3600" dirty="0"/>
-              <a:t>Benefits</a:t>
-            </a:r>
-            <a:endParaRPr lang="en-US" sz="3600" dirty="0"/>
-          </a:p>
-        </p:txBody>
-      </p:sp>
-      <p:pic>
-        <p:nvPicPr>
-          <p:cNvPr id="6" name="Picture 5"/>
-          <p:cNvPicPr>
-            <a:picLocks noChangeAspect="1"/>
-          </p:cNvPicPr>
-          <p:nvPr/>
-        </p:nvPicPr>
-        <p:blipFill>
-          <a:blip r:embed="rId1"/>
-          <a:stretch>
-            <a:fillRect/>
-          </a:stretch>
-        </p:blipFill>
-        <p:spPr>
-          <a:xfrm>
-            <a:off x="95003" y="878774"/>
-            <a:ext cx="8835241" cy="5979226"/>
-          </a:xfrm>
-          <a:prstGeom prst="rect">
-            <a:avLst/>
-          </a:prstGeom>
-        </p:spPr>
-      </p:pic>
     </p:spTree>
   </p:cSld>
   <p:clrMapOvr>
@@ -4749,64 +4835,44 @@
             <p:ph type="title"/>
           </p:nvPr>
         </p:nvSpPr>
-        <p:spPr/>
-        <p:txBody>
-          <a:bodyPr/>
+        <p:spPr>
+          <a:xfrm>
+            <a:off x="457200" y="274638"/>
+            <a:ext cx="8229600" cy="604136"/>
+          </a:xfrm>
+        </p:spPr>
+        <p:txBody>
+          <a:bodyPr>
+            <a:noAutofit/>
+          </a:bodyPr>
           <a:lstStyle/>
           <a:p>
             <a:pPr algn="l"/>
             <a:r>
-              <a:rPr dirty="0"/>
-              <a:t>Future </a:t>
-            </a:r>
-            <a:r>
-              <a:rPr sz="4000" dirty="0"/>
-              <a:t>Enhancements</a:t>
-            </a:r>
-            <a:endParaRPr sz="4000" dirty="0"/>
-          </a:p>
-        </p:txBody>
-      </p:sp>
-      <p:sp>
-        <p:nvSpPr>
-          <p:cNvPr id="3" name="Content Placeholder 2"/>
-          <p:cNvSpPr>
-            <a:spLocks noGrp="1"/>
-          </p:cNvSpPr>
-          <p:nvPr>
-            <p:ph idx="1"/>
-          </p:nvPr>
-        </p:nvSpPr>
-        <p:spPr/>
-        <p:txBody>
-          <a:bodyPr/>
-          <a:lstStyle/>
-          <a:p>
-            <a:pPr marL="0" indent="0">
-              <a:buNone/>
-            </a:pPr>
-            <a:endParaRPr dirty="0"/>
+              <a:rPr lang="en-US" sz="3600" dirty="0"/>
+              <a:t>Benefits</a:t>
+            </a:r>
           </a:p>
         </p:txBody>
       </p:sp>
       <p:pic>
         <p:nvPicPr>
-          <p:cNvPr id="4" name="Picture 3"/>
+          <p:cNvPr id="6" name="Picture 5"/>
           <p:cNvPicPr>
             <a:picLocks noChangeAspect="1"/>
           </p:cNvPicPr>
           <p:nvPr/>
         </p:nvPicPr>
         <p:blipFill>
-          <a:blip r:embed="rId1"/>
+          <a:blip r:embed="rId2"/>
           <a:stretch>
             <a:fillRect/>
           </a:stretch>
         </p:blipFill>
         <p:spPr>
           <a:xfrm>
-            <a:off x="156117" y="1374095"/>
-            <a:ext cx="8759283" cy="5483905"/>
+            <a:off x="95003" y="878774"/>
+            <a:ext cx="8835241" cy="5979226"/>
           </a:xfrm>
           <a:prstGeom prst="rect">
             <a:avLst/>
@@ -4855,18 +4921,13 @@
           <a:p>
             <a:pPr algn="l"/>
             <a:r>
-              <a:rPr lang="en-US" dirty="0"/>
-              <a:t> </a:t>
-            </a:r>
-            <a:r>
-              <a:rPr lang="en-US" sz="3600" dirty="0"/>
-              <a:t>Application -</a:t>
-            </a:r>
-            <a:r>
-              <a:rPr lang="en-US" sz="3600" dirty="0"/>
-              <a:t> Home Page</a:t>
-            </a:r>
-            <a:endParaRPr lang="en-US" sz="3600" dirty="0"/>
+              <a:rPr dirty="0"/>
+              <a:t>Future </a:t>
+            </a:r>
+            <a:r>
+              <a:rPr sz="4000" dirty="0"/>
+              <a:t>Enhancements</a:t>
+            </a:r>
           </a:p>
         </p:txBody>
       </p:sp>
@@ -4894,22 +4955,22 @@
       </p:sp>
       <p:pic>
         <p:nvPicPr>
-          <p:cNvPr id="407878068" name="Picture 1" descr="A screenshot of a computer&#10;&#10;AI-generated content may be incorrect."/>
+          <p:cNvPr id="4" name="Picture 3"/>
           <p:cNvPicPr>
             <a:picLocks noChangeAspect="1"/>
           </p:cNvPicPr>
           <p:nvPr/>
         </p:nvPicPr>
         <p:blipFill>
-          <a:blip r:embed="rId1"/>
+          <a:blip r:embed="rId2"/>
           <a:stretch>
             <a:fillRect/>
           </a:stretch>
         </p:blipFill>
         <p:spPr>
           <a:xfrm>
-            <a:off x="396240" y="1320165"/>
-            <a:ext cx="7804150" cy="4531360"/>
+            <a:off x="156117" y="1374095"/>
+            <a:ext cx="8759283" cy="5483905"/>
           </a:xfrm>
           <a:prstGeom prst="rect">
             <a:avLst/>
@@ -4963,32 +5024,51 @@
             </a:r>
             <a:r>
               <a:rPr lang="en-US" sz="3600" dirty="0"/>
-              <a:t>Recommendations for New Customer</a:t>
-            </a:r>
-            <a:endParaRPr lang="en-US" sz="3600" dirty="0"/>
+              <a:t>Application - Home Page</a:t>
+            </a:r>
+          </a:p>
+        </p:txBody>
+      </p:sp>
+      <p:sp>
+        <p:nvSpPr>
+          <p:cNvPr id="3" name="Content Placeholder 2"/>
+          <p:cNvSpPr>
+            <a:spLocks noGrp="1"/>
+          </p:cNvSpPr>
+          <p:nvPr>
+            <p:ph idx="1"/>
+          </p:nvPr>
+        </p:nvSpPr>
+        <p:spPr/>
+        <p:txBody>
+          <a:bodyPr/>
+          <a:lstStyle/>
+          <a:p>
+            <a:pPr marL="0" indent="0">
+              <a:buNone/>
+            </a:pPr>
+            <a:endParaRPr dirty="0"/>
           </a:p>
         </p:txBody>
       </p:sp>
       <p:pic>
         <p:nvPicPr>
-          <p:cNvPr id="4" name="Content Placeholder 3"/>
+          <p:cNvPr id="407878068" name="Picture 1" descr="A screenshot of a computer&#10;&#10;AI-generated content may be incorrect."/>
           <p:cNvPicPr>
             <a:picLocks noChangeAspect="1"/>
           </p:cNvPicPr>
-          <p:nvPr>
-            <p:ph idx="1"/>
-          </p:nvPr>
+          <p:nvPr/>
         </p:nvPicPr>
         <p:blipFill>
-          <a:blip r:embed="rId1"/>
+          <a:blip r:embed="rId2"/>
           <a:stretch>
             <a:fillRect/>
           </a:stretch>
         </p:blipFill>
         <p:spPr>
           <a:xfrm>
-            <a:off x="686435" y="1417955"/>
-            <a:ext cx="7680960" cy="4712970"/>
+            <a:off x="396240" y="1320165"/>
+            <a:ext cx="7804150" cy="4531360"/>
           </a:xfrm>
           <a:prstGeom prst="rect">
             <a:avLst/>
@@ -5032,67 +5112,41 @@
         </p:nvSpPr>
         <p:spPr/>
         <p:txBody>
-          <a:bodyPr>
-            <a:normAutofit/>
-          </a:bodyPr>
+          <a:bodyPr/>
           <a:lstStyle/>
           <a:p>
             <a:pPr algn="l"/>
             <a:r>
-              <a:rPr lang="en-US" sz="3600" dirty="0">
-                <a:sym typeface="+mn-ea"/>
-              </a:rPr>
-              <a:t>Recommendations for Existing Customer</a:t>
-            </a:r>
-            <a:endParaRPr lang="en-US" sz="3600" dirty="0"/>
+              <a:rPr lang="en-US" dirty="0"/>
+              <a:t> </a:t>
+            </a:r>
+            <a:r>
+              <a:rPr lang="en-US" sz="3600" dirty="0"/>
+              <a:t>Recommendations for New Customer</a:t>
+            </a:r>
           </a:p>
         </p:txBody>
       </p:sp>
       <p:pic>
         <p:nvPicPr>
-          <p:cNvPr id="5" name="Content Placeholder 4"/>
+          <p:cNvPr id="4" name="Content Placeholder 3"/>
           <p:cNvPicPr>
-            <a:picLocks noChangeAspect="1"/>
+            <a:picLocks noGrp="1" noChangeAspect="1"/>
           </p:cNvPicPr>
           <p:nvPr>
             <p:ph idx="1"/>
           </p:nvPr>
         </p:nvPicPr>
         <p:blipFill>
-          <a:blip r:embed="rId1"/>
+          <a:blip r:embed="rId2"/>
           <a:stretch>
             <a:fillRect/>
           </a:stretch>
         </p:blipFill>
         <p:spPr>
           <a:xfrm>
-            <a:off x="457200" y="1259840"/>
-            <a:ext cx="8229600" cy="2686050"/>
-          </a:xfrm>
-          <a:prstGeom prst="rect">
-            <a:avLst/>
-          </a:prstGeom>
-        </p:spPr>
-      </p:pic>
-      <p:pic>
-        <p:nvPicPr>
-          <p:cNvPr id="6" name="Picture 5"/>
-          <p:cNvPicPr>
-            <a:picLocks noChangeAspect="1"/>
-          </p:cNvPicPr>
-          <p:nvPr/>
-        </p:nvPicPr>
-        <p:blipFill>
-          <a:blip r:embed="rId2"/>
-          <a:srcRect b="8570"/>
-          <a:stretch>
-            <a:fillRect/>
-          </a:stretch>
-        </p:blipFill>
-        <p:spPr>
-          <a:xfrm>
-            <a:off x="344170" y="3945890"/>
-            <a:ext cx="7364730" cy="2574290"/>
+            <a:off x="686435" y="1417955"/>
+            <a:ext cx="7680960" cy="4712970"/>
           </a:xfrm>
           <a:prstGeom prst="rect">
             <a:avLst/>
@@ -5146,6 +5200,110 @@
               <a:rPr lang="en-US" sz="3600" dirty="0">
                 <a:sym typeface="+mn-ea"/>
               </a:rPr>
+              <a:t>Recommendations for Existing Customer</a:t>
+            </a:r>
+            <a:endParaRPr lang="en-US" sz="3600" dirty="0"/>
+          </a:p>
+        </p:txBody>
+      </p:sp>
+      <p:pic>
+        <p:nvPicPr>
+          <p:cNvPr id="5" name="Content Placeholder 4"/>
+          <p:cNvPicPr>
+            <a:picLocks noGrp="1" noChangeAspect="1"/>
+          </p:cNvPicPr>
+          <p:nvPr>
+            <p:ph idx="1"/>
+          </p:nvPr>
+        </p:nvPicPr>
+        <p:blipFill>
+          <a:blip r:embed="rId2"/>
+          <a:stretch>
+            <a:fillRect/>
+          </a:stretch>
+        </p:blipFill>
+        <p:spPr>
+          <a:xfrm>
+            <a:off x="457200" y="1259840"/>
+            <a:ext cx="8229600" cy="2686050"/>
+          </a:xfrm>
+          <a:prstGeom prst="rect">
+            <a:avLst/>
+          </a:prstGeom>
+        </p:spPr>
+      </p:pic>
+      <p:pic>
+        <p:nvPicPr>
+          <p:cNvPr id="6" name="Picture 5"/>
+          <p:cNvPicPr>
+            <a:picLocks noChangeAspect="1"/>
+          </p:cNvPicPr>
+          <p:nvPr/>
+        </p:nvPicPr>
+        <p:blipFill>
+          <a:blip r:embed="rId3"/>
+          <a:srcRect b="8570"/>
+          <a:stretch>
+            <a:fillRect/>
+          </a:stretch>
+        </p:blipFill>
+        <p:spPr>
+          <a:xfrm>
+            <a:off x="344170" y="3945890"/>
+            <a:ext cx="7364730" cy="2574290"/>
+          </a:xfrm>
+          <a:prstGeom prst="rect">
+            <a:avLst/>
+          </a:prstGeom>
+        </p:spPr>
+      </p:pic>
+    </p:spTree>
+  </p:cSld>
+  <p:clrMapOvr>
+    <a:masterClrMapping/>
+  </p:clrMapOvr>
+</p:sld>
+</file>
+
+<file path=ppt/slides/slide18.xml><?xml version="1.0" encoding="utf-8"?>
+<p:sld xmlns:a="http://schemas.openxmlformats.org/drawingml/2006/main" xmlns:r="http://schemas.openxmlformats.org/officeDocument/2006/relationships" xmlns:p="http://schemas.openxmlformats.org/presentationml/2006/main">
+  <p:cSld>
+    <p:spTree>
+      <p:nvGrpSpPr>
+        <p:cNvPr id="1" name=""/>
+        <p:cNvGrpSpPr/>
+        <p:nvPr/>
+      </p:nvGrpSpPr>
+      <p:grpSpPr>
+        <a:xfrm>
+          <a:off x="0" y="0"/>
+          <a:ext cx="0" cy="0"/>
+          <a:chOff x="0" y="0"/>
+          <a:chExt cx="0" cy="0"/>
+        </a:xfrm>
+      </p:grpSpPr>
+      <p:sp>
+        <p:nvSpPr>
+          <p:cNvPr id="2" name="Title 1"/>
+          <p:cNvSpPr>
+            <a:spLocks noGrp="1"/>
+          </p:cNvSpPr>
+          <p:nvPr>
+            <p:ph type="title"/>
+          </p:nvPr>
+        </p:nvSpPr>
+        <p:spPr/>
+        <p:txBody>
+          <a:bodyPr>
+            <a:normAutofit/>
+          </a:bodyPr>
+          <a:lstStyle/>
+          <a:p>
+            <a:pPr algn="l"/>
+            <a:r>
+              <a:rPr lang="en-US" sz="3600" dirty="0">
+                <a:sym typeface="+mn-ea"/>
+              </a:rPr>
               <a:t>Recommendo AI</a:t>
             </a:r>
             <a:endParaRPr lang="en-US" sz="3600" dirty="0"/>
@@ -5156,14 +5314,14 @@
         <p:nvPicPr>
           <p:cNvPr id="4" name="Content Placeholder 3"/>
           <p:cNvPicPr>
-            <a:picLocks noChangeAspect="1"/>
+            <a:picLocks noGrp="1" noChangeAspect="1"/>
           </p:cNvPicPr>
           <p:nvPr>
             <p:ph idx="1"/>
           </p:nvPr>
         </p:nvPicPr>
         <p:blipFill>
-          <a:blip r:embed="rId1"/>
+          <a:blip r:embed="rId2"/>
           <a:stretch>
             <a:fillRect/>
           </a:stretch>
@@ -5432,7 +5590,6 @@
               <a:rPr lang="en-IN" sz="4000" dirty="0"/>
               <a:t>Statement</a:t>
             </a:r>
-            <a:endParaRPr lang="en-IN" sz="4000" dirty="0"/>
           </a:p>
         </p:txBody>
       </p:sp>
@@ -5462,35 +5619,30 @@
               <a:rPr lang="en-IN" sz="2000" b="1" dirty="0"/>
               <a:t>Analyse customer demographics, transactions &amp; social media.</a:t>
             </a:r>
-            <a:endParaRPr lang="en-IN" sz="2000" b="1" dirty="0"/>
           </a:p>
           <a:p>
             <a:r>
               <a:rPr lang="en-IN" sz="2000" b="1" dirty="0"/>
               <a:t>Generate personalized product/service suggestions.</a:t>
             </a:r>
-            <a:endParaRPr lang="en-IN" sz="2000" b="1" dirty="0"/>
           </a:p>
           <a:p>
             <a:r>
               <a:rPr lang="en-IN" sz="2000" b="1" dirty="0"/>
               <a:t>Support new and existing customers.</a:t>
             </a:r>
-            <a:endParaRPr lang="en-IN" sz="2000" b="1" dirty="0"/>
           </a:p>
           <a:p>
             <a:r>
               <a:rPr lang="en-IN" sz="2000" b="1" dirty="0"/>
               <a:t>Enable multimodal (voice, image) input-based Q&amp;A.</a:t>
             </a:r>
-            <a:endParaRPr lang="en-IN" sz="2000" b="1" dirty="0"/>
           </a:p>
           <a:p>
             <a:r>
               <a:rPr lang="en-IN" sz="2000" b="1" dirty="0"/>
               <a:t>Provide actionable insights for businesses.</a:t>
             </a:r>
-            <a:endParaRPr lang="en-IN" sz="2000" b="1" dirty="0"/>
           </a:p>
         </p:txBody>
       </p:sp>
@@ -5503,7 +5655,7 @@
           <p:nvPr/>
         </p:nvPicPr>
         <p:blipFill>
-          <a:blip r:embed="rId1"/>
+          <a:blip r:embed="rId3"/>
           <a:srcRect l="19305" r="25134" b="2"/>
           <a:stretch>
             <a:fillRect/>
@@ -5569,7 +5721,6 @@
               <a:rPr lang="en-US" dirty="0"/>
               <a:t>Workflow</a:t>
             </a:r>
-            <a:endParaRPr lang="en-US" dirty="0"/>
           </a:p>
         </p:txBody>
       </p:sp>
@@ -5582,7 +5733,7 @@
           <p:nvPr/>
         </p:nvPicPr>
         <p:blipFill>
-          <a:blip r:embed="rId1"/>
+          <a:blip r:embed="rId2"/>
           <a:stretch>
             <a:fillRect/>
           </a:stretch>
@@ -5647,7 +5798,6 @@
               <a:rPr lang="en-US" dirty="0"/>
               <a:t>Architecture</a:t>
             </a:r>
-            <a:endParaRPr lang="en-US" dirty="0"/>
           </a:p>
         </p:txBody>
       </p:sp>
@@ -5660,7 +5810,7 @@
           <p:nvPr/>
         </p:nvPicPr>
         <p:blipFill>
-          <a:blip r:embed="rId1"/>
+          <a:blip r:embed="rId2"/>
           <a:stretch>
             <a:fillRect/>
           </a:stretch>
@@ -5725,7 +5875,6 @@
               <a:rPr lang="en-US" dirty="0"/>
               <a:t>Approach</a:t>
             </a:r>
-            <a:endParaRPr lang="en-US" dirty="0"/>
           </a:p>
         </p:txBody>
       </p:sp>
@@ -5762,14 +5911,6 @@
               </a:rPr>
               <a:t>         Data gathering and Processing</a:t>
             </a:r>
-            <a:endParaRPr lang="en-US" b="1" dirty="0">
-              <a:solidFill>
-                <a:schemeClr val="tx2">
-                  <a:lumMod val="60000"/>
-                  <a:lumOff val="40000"/>
-                </a:schemeClr>
-              </a:solidFill>
-            </a:endParaRPr>
           </a:p>
           <a:p>
             <a:pPr marL="742950" lvl="1" indent="-285750">
@@ -5780,7 +5921,6 @@
               <a:rPr lang="en-US" sz="1600" dirty="0"/>
               <a:t>Gather customer data from various sources Transactions, Demographics, Social media activities and sentiment data. </a:t>
             </a:r>
-            <a:endParaRPr lang="en-US" sz="1600" dirty="0"/>
           </a:p>
           <a:p>
             <a:pPr marL="742950" lvl="1" indent="-285750">
@@ -5791,7 +5931,6 @@
               <a:rPr lang="en-US" sz="1600" dirty="0"/>
               <a:t>Process structured and unstructured data for analysis.</a:t>
             </a:r>
-            <a:endParaRPr lang="en-US" sz="1600" dirty="0"/>
           </a:p>
           <a:p>
             <a:r>
@@ -5804,13 +5943,6 @@
               </a:rPr>
               <a:t>	AI-driven understanding</a:t>
             </a:r>
-            <a:endParaRPr lang="en-US" sz="2000" b="1" dirty="0">
-              <a:solidFill>
-                <a:schemeClr val="accent3">
-                  <a:lumMod val="75000"/>
-                </a:schemeClr>
-              </a:solidFill>
-            </a:endParaRPr>
           </a:p>
           <a:p>
             <a:pPr marL="742950" lvl="1" indent="-285750">
@@ -5829,7 +5961,6 @@
               <a:rPr lang="en-US" sz="1600" dirty="0"/>
               <a:t> + GPT-3.5) to analyze customer behavior.</a:t>
             </a:r>
-            <a:endParaRPr lang="en-US" sz="1600" dirty="0"/>
           </a:p>
           <a:p>
             <a:pPr marL="742950" lvl="1" indent="-285750">
@@ -5840,7 +5971,6 @@
               <a:rPr lang="en-US" sz="1600" dirty="0"/>
               <a:t>Extract insights using Natural Language Processing (NLP) and analysis.</a:t>
             </a:r>
-            <a:endParaRPr lang="en-US" sz="1600" dirty="0"/>
           </a:p>
           <a:p>
             <a:r>
@@ -5851,11 +5981,6 @@
               </a:rPr>
               <a:t>         Personalized Recommendations</a:t>
             </a:r>
-            <a:endParaRPr lang="en-US" b="1" dirty="0">
-              <a:solidFill>
-                <a:srgbClr val="CCFF33"/>
-              </a:solidFill>
-            </a:endParaRPr>
           </a:p>
           <a:p>
             <a:pPr marL="742950" lvl="1" indent="-285750">
@@ -5866,7 +5991,6 @@
               <a:rPr lang="en-US" sz="1600" dirty="0"/>
               <a:t>Generate product/service suggestions based on customer profiles.</a:t>
             </a:r>
-            <a:endParaRPr lang="en-US" sz="1600" dirty="0"/>
           </a:p>
           <a:p>
             <a:pPr marL="742950" lvl="1" indent="-285750">
@@ -5877,7 +6001,6 @@
               <a:rPr lang="en-US" sz="1600" dirty="0"/>
               <a:t>Ensure multimodal support (text, voice, image inputs).</a:t>
             </a:r>
-            <a:endParaRPr lang="en-US" sz="1600" dirty="0"/>
           </a:p>
           <a:p>
             <a:pPr marL="742950" lvl="1" indent="-285750">
@@ -5888,7 +6011,6 @@
               <a:rPr lang="en-US" sz="1600" dirty="0"/>
               <a:t>Actionable insights for businesses to optimize customer engagement. </a:t>
             </a:r>
-            <a:endParaRPr lang="en-US" sz="1600" dirty="0"/>
           </a:p>
           <a:p>
             <a:pPr lvl="1"/>
@@ -5900,11 +6022,6 @@
               </a:rPr>
               <a:t>Insight Implementation</a:t>
             </a:r>
-            <a:endParaRPr lang="en-US" b="1" dirty="0">
-              <a:solidFill>
-                <a:srgbClr val="FFFF00"/>
-              </a:solidFill>
-            </a:endParaRPr>
           </a:p>
           <a:p>
             <a:pPr marL="742950" lvl="1" indent="-285750">
@@ -5915,7 +6032,6 @@
               <a:rPr lang="en-US" sz="1600" dirty="0"/>
               <a:t>Real-time APIs integration for live recommendations. Iterative model improvement.</a:t>
             </a:r>
-            <a:endParaRPr lang="en-US" sz="1600" dirty="0"/>
           </a:p>
           <a:p>
             <a:endParaRPr lang="en-US" sz="1600" dirty="0"/>
@@ -5931,7 +6047,7 @@
           <p:nvPr/>
         </p:nvPicPr>
         <p:blipFill>
-          <a:blip r:embed="rId1"/>
+          <a:blip r:embed="rId2"/>
           <a:stretch>
             <a:fillRect/>
           </a:stretch>
@@ -5955,7 +6071,7 @@
           <p:nvPr/>
         </p:nvPicPr>
         <p:blipFill>
-          <a:blip r:embed="rId2"/>
+          <a:blip r:embed="rId3"/>
           <a:stretch>
             <a:fillRect/>
           </a:stretch>
@@ -5979,7 +6095,7 @@
           <p:nvPr/>
         </p:nvPicPr>
         <p:blipFill>
-          <a:blip r:embed="rId3"/>
+          <a:blip r:embed="rId4"/>
           <a:stretch>
             <a:fillRect/>
           </a:stretch>
@@ -6003,7 +6119,7 @@
           <p:nvPr/>
         </p:nvPicPr>
         <p:blipFill>
-          <a:blip r:embed="rId4"/>
+          <a:blip r:embed="rId5"/>
           <a:stretch>
             <a:fillRect/>
           </a:stretch>
@@ -6027,7 +6143,7 @@
           <p:nvPr/>
         </p:nvPicPr>
         <p:blipFill>
-          <a:blip r:embed="rId5"/>
+          <a:blip r:embed="rId6"/>
           <a:stretch>
             <a:fillRect/>
           </a:stretch>
@@ -6089,7 +6205,6 @@
               <a:rPr lang="en-US" sz="4000" dirty="0"/>
               <a:t>Model Selection</a:t>
             </a:r>
-            <a:endParaRPr lang="en-US" sz="4000" dirty="0"/>
           </a:p>
         </p:txBody>
       </p:sp>
@@ -6102,7 +6217,7 @@
           <p:nvPr/>
         </p:nvPicPr>
         <p:blipFill>
-          <a:blip r:embed="rId1"/>
+          <a:blip r:embed="rId3"/>
           <a:stretch>
             <a:fillRect/>
           </a:stretch>
@@ -6169,7 +6284,6 @@
               <a:rPr lang="en-US" dirty="0"/>
               <a:t>Model Benchmarking</a:t>
             </a:r>
-            <a:endParaRPr lang="en-US" dirty="0"/>
           </a:p>
         </p:txBody>
       </p:sp>
@@ -6192,9 +6306,27 @@
                 <a:tableStyleId>{5C22544A-7EE6-4342-B048-85BDC9FD1C3A}</a:tableStyleId>
               </a:tblPr>
               <a:tblGrid>
-                <a:gridCol w="2300961"/>
-                <a:gridCol w="2923821"/>
-                <a:gridCol w="3570837"/>
+                <a:gridCol w="2300961">
+                  <a:extLst>
+                    <a:ext uri="{9D8B030D-6E8A-4147-A177-3AD203B41FA5}">
+                      <a16:colId xmlns:a16="http://schemas.microsoft.com/office/drawing/2014/main" val="20000"/>
+                    </a:ext>
+                  </a:extLst>
+                </a:gridCol>
+                <a:gridCol w="2923821">
+                  <a:extLst>
+                    <a:ext uri="{9D8B030D-6E8A-4147-A177-3AD203B41FA5}">
+                      <a16:colId xmlns:a16="http://schemas.microsoft.com/office/drawing/2014/main" val="20001"/>
+                    </a:ext>
+                  </a:extLst>
+                </a:gridCol>
+                <a:gridCol w="3570837">
+                  <a:extLst>
+                    <a:ext uri="{9D8B030D-6E8A-4147-A177-3AD203B41FA5}">
+                      <a16:colId xmlns:a16="http://schemas.microsoft.com/office/drawing/2014/main" val="20002"/>
+                    </a:ext>
+                  </a:extLst>
+                </a:gridCol>
               </a:tblGrid>
               <a:tr h="381820">
                 <a:tc>
@@ -6214,14 +6346,6 @@
                         </a:rPr>
                         <a:t>Feature</a:t>
                       </a:r>
-                      <a:endParaRPr lang="en-US" sz="2400" b="1" kern="1200" dirty="0">
-                        <a:solidFill>
-                          <a:schemeClr val="lt1"/>
-                        </a:solidFill>
-                        <a:latin typeface="+mn-lt"/>
-                        <a:ea typeface="+mn-ea"/>
-                        <a:cs typeface="+mn-cs"/>
-                      </a:endParaRPr>
                     </a:p>
                   </a:txBody>
                   <a:tcPr marL="6350" marR="6350" marT="6350" marB="0"/>
@@ -6243,14 +6367,6 @@
                         </a:rPr>
                         <a:t>Mistral-7B</a:t>
                       </a:r>
-                      <a:endParaRPr lang="en-US" sz="2400" b="1" kern="1200" dirty="0">
-                        <a:solidFill>
-                          <a:schemeClr val="lt1"/>
-                        </a:solidFill>
-                        <a:latin typeface="+mn-lt"/>
-                        <a:ea typeface="+mn-ea"/>
-                        <a:cs typeface="+mn-cs"/>
-                      </a:endParaRPr>
                     </a:p>
                   </a:txBody>
                   <a:tcPr marL="6350" marR="6350" marT="6350" marB="0"/>
@@ -6272,18 +6388,15 @@
                         </a:rPr>
                         <a:t>GPT-3.5</a:t>
                       </a:r>
-                      <a:endParaRPr lang="en-US" sz="2400" b="1" kern="1200" dirty="0">
-                        <a:solidFill>
-                          <a:schemeClr val="lt1"/>
-                        </a:solidFill>
-                        <a:latin typeface="+mn-lt"/>
-                        <a:ea typeface="+mn-ea"/>
-                        <a:cs typeface="+mn-cs"/>
-                      </a:endParaRPr>
                     </a:p>
                   </a:txBody>
                   <a:tcPr marL="6350" marR="6350" marT="6350" marB="0"/>
                 </a:tc>
+                <a:extLst>
+                  <a:ext uri="{0D108BD9-81ED-4DB2-BD59-A6C34878D82A}">
+                    <a16:rowId xmlns:a16="http://schemas.microsoft.com/office/drawing/2014/main" val="10000"/>
+                  </a:ext>
+                </a:extLst>
               </a:tr>
               <a:tr h="559466">
                 <a:tc>
@@ -6303,14 +6416,6 @@
                         </a:rPr>
                         <a:t>Model Size</a:t>
                       </a:r>
-                      <a:endParaRPr lang="en-US" sz="1400" kern="1200" dirty="0">
-                        <a:solidFill>
-                          <a:schemeClr val="dk1"/>
-                        </a:solidFill>
-                        <a:latin typeface="+mn-lt"/>
-                        <a:ea typeface="+mn-ea"/>
-                        <a:cs typeface="+mn-cs"/>
-                      </a:endParaRPr>
                     </a:p>
                   </a:txBody>
                   <a:tcPr marL="6350" marR="6350" marT="6350" marB="0" anchor="b"/>
@@ -6332,14 +6437,6 @@
                         </a:rPr>
                         <a:t>7B parameters</a:t>
                       </a:r>
-                      <a:endParaRPr lang="en-US" sz="1400" kern="1200">
-                        <a:solidFill>
-                          <a:schemeClr val="dk1"/>
-                        </a:solidFill>
-                        <a:latin typeface="+mn-lt"/>
-                        <a:ea typeface="+mn-ea"/>
-                        <a:cs typeface="+mn-cs"/>
-                      </a:endParaRPr>
                     </a:p>
                   </a:txBody>
                   <a:tcPr marL="6350" marR="6350" marT="6350" marB="0" anchor="b"/>
@@ -6361,18 +6458,15 @@
                         </a:rPr>
                         <a:t>Larger (exact size proprietary)</a:t>
                       </a:r>
-                      <a:endParaRPr lang="en-US" sz="1400" kern="1200" dirty="0">
-                        <a:solidFill>
-                          <a:schemeClr val="dk1"/>
-                        </a:solidFill>
-                        <a:latin typeface="+mn-lt"/>
-                        <a:ea typeface="+mn-ea"/>
-                        <a:cs typeface="+mn-cs"/>
-                      </a:endParaRPr>
                     </a:p>
                   </a:txBody>
                   <a:tcPr marL="6350" marR="6350" marT="6350" marB="0" anchor="b"/>
                 </a:tc>
+                <a:extLst>
+                  <a:ext uri="{0D108BD9-81ED-4DB2-BD59-A6C34878D82A}">
+                    <a16:rowId xmlns:a16="http://schemas.microsoft.com/office/drawing/2014/main" val="10001"/>
+                  </a:ext>
+                </a:extLst>
               </a:tr>
               <a:tr h="559466">
                 <a:tc>
@@ -6392,14 +6486,6 @@
                         </a:rPr>
                         <a:t>Context Length</a:t>
                       </a:r>
-                      <a:endParaRPr lang="en-US" sz="1400" kern="1200" dirty="0">
-                        <a:solidFill>
-                          <a:schemeClr val="dk1"/>
-                        </a:solidFill>
-                        <a:latin typeface="+mn-lt"/>
-                        <a:ea typeface="+mn-ea"/>
-                        <a:cs typeface="+mn-cs"/>
-                      </a:endParaRPr>
                     </a:p>
                   </a:txBody>
                   <a:tcPr marL="6350" marR="6350" marT="6350" marB="0" anchor="b"/>
@@ -6421,14 +6507,6 @@
                         </a:rPr>
                         <a:t>8,000 tokens</a:t>
                       </a:r>
-                      <a:endParaRPr lang="en-US" sz="1400" kern="1200" dirty="0">
-                        <a:solidFill>
-                          <a:schemeClr val="dk1"/>
-                        </a:solidFill>
-                        <a:latin typeface="+mn-lt"/>
-                        <a:ea typeface="+mn-ea"/>
-                        <a:cs typeface="+mn-cs"/>
-                      </a:endParaRPr>
                     </a:p>
                   </a:txBody>
                   <a:tcPr marL="6350" marR="6350" marT="6350" marB="0" anchor="b"/>
@@ -6450,18 +6528,15 @@
                         </a:rPr>
                         <a:t>16,385 tokens (GPT-3.5 Turbo)</a:t>
                       </a:r>
-                      <a:endParaRPr lang="en-US" sz="1400" kern="1200">
-                        <a:solidFill>
-                          <a:schemeClr val="dk1"/>
-                        </a:solidFill>
-                        <a:latin typeface="+mn-lt"/>
-                        <a:ea typeface="+mn-ea"/>
-                        <a:cs typeface="+mn-cs"/>
-                      </a:endParaRPr>
                     </a:p>
                   </a:txBody>
                   <a:tcPr marL="6350" marR="6350" marT="6350" marB="0" anchor="b"/>
                 </a:tc>
+                <a:extLst>
+                  <a:ext uri="{0D108BD9-81ED-4DB2-BD59-A6C34878D82A}">
+                    <a16:rowId xmlns:a16="http://schemas.microsoft.com/office/drawing/2014/main" val="10002"/>
+                  </a:ext>
+                </a:extLst>
               </a:tr>
               <a:tr h="559466">
                 <a:tc>
@@ -6481,14 +6556,6 @@
                         </a:rPr>
                         <a:t>Inference Speed</a:t>
                       </a:r>
-                      <a:endParaRPr lang="en-US" sz="1400" kern="1200">
-                        <a:solidFill>
-                          <a:schemeClr val="dk1"/>
-                        </a:solidFill>
-                        <a:latin typeface="+mn-lt"/>
-                        <a:ea typeface="+mn-ea"/>
-                        <a:cs typeface="+mn-cs"/>
-                      </a:endParaRPr>
                     </a:p>
                   </a:txBody>
                   <a:tcPr marL="6350" marR="6350" marT="6350" marB="0" anchor="b"/>
@@ -6510,14 +6577,6 @@
                         </a:rPr>
                         <a:t>Faster due to optimized attention mechanisms</a:t>
                       </a:r>
-                      <a:endParaRPr lang="en-US" sz="1400" kern="1200" dirty="0">
-                        <a:solidFill>
-                          <a:schemeClr val="dk1"/>
-                        </a:solidFill>
-                        <a:latin typeface="+mn-lt"/>
-                        <a:ea typeface="+mn-ea"/>
-                        <a:cs typeface="+mn-cs"/>
-                      </a:endParaRPr>
                     </a:p>
                   </a:txBody>
                   <a:tcPr marL="6350" marR="6350" marT="6350" marB="0" anchor="b"/>
@@ -6539,18 +6598,15 @@
                         </a:rPr>
                         <a:t>Slower due to larger model size</a:t>
                       </a:r>
-                      <a:endParaRPr lang="en-US" sz="1400" kern="1200" dirty="0">
-                        <a:solidFill>
-                          <a:schemeClr val="dk1"/>
-                        </a:solidFill>
-                        <a:latin typeface="+mn-lt"/>
-                        <a:ea typeface="+mn-ea"/>
-                        <a:cs typeface="+mn-cs"/>
-                      </a:endParaRPr>
                     </a:p>
                   </a:txBody>
                   <a:tcPr marL="6350" marR="6350" marT="6350" marB="0" anchor="b"/>
                 </a:tc>
+                <a:extLst>
+                  <a:ext uri="{0D108BD9-81ED-4DB2-BD59-A6C34878D82A}">
+                    <a16:rowId xmlns:a16="http://schemas.microsoft.com/office/drawing/2014/main" val="10003"/>
+                  </a:ext>
+                </a:extLst>
               </a:tr>
               <a:tr h="559466">
                 <a:tc>
@@ -6570,14 +6626,6 @@
                         </a:rPr>
                         <a:t>Commonsense Reasoning (MMLU)</a:t>
                       </a:r>
-                      <a:endParaRPr lang="en-US" sz="1400" kern="1200" dirty="0">
-                        <a:solidFill>
-                          <a:schemeClr val="dk1"/>
-                        </a:solidFill>
-                        <a:latin typeface="+mn-lt"/>
-                        <a:ea typeface="+mn-ea"/>
-                        <a:cs typeface="+mn-cs"/>
-                      </a:endParaRPr>
                     </a:p>
                   </a:txBody>
                   <a:tcPr marL="6350" marR="6350" marT="6350" marB="0" anchor="b"/>
@@ -6621,14 +6669,6 @@
                         </a:rPr>
                         <a:t> 2 13B</a:t>
                       </a:r>
-                      <a:endParaRPr lang="en-US" sz="1400" kern="1200" dirty="0">
-                        <a:solidFill>
-                          <a:schemeClr val="dk1"/>
-                        </a:solidFill>
-                        <a:latin typeface="+mn-lt"/>
-                        <a:ea typeface="+mn-ea"/>
-                        <a:cs typeface="+mn-cs"/>
-                      </a:endParaRPr>
                     </a:p>
                   </a:txBody>
                   <a:tcPr marL="6350" marR="6350" marT="6350" marB="0" anchor="b"/>
@@ -6650,18 +6690,15 @@
                         </a:rPr>
                         <a:t>70%</a:t>
                       </a:r>
-                      <a:endParaRPr lang="en-US" sz="1400" kern="1200" dirty="0">
-                        <a:solidFill>
-                          <a:schemeClr val="dk1"/>
-                        </a:solidFill>
-                        <a:latin typeface="+mn-lt"/>
-                        <a:ea typeface="+mn-ea"/>
-                        <a:cs typeface="+mn-cs"/>
-                      </a:endParaRPr>
                     </a:p>
                   </a:txBody>
                   <a:tcPr marL="6350" marR="6350" marT="6350" marB="0" anchor="b"/>
                 </a:tc>
+                <a:extLst>
+                  <a:ext uri="{0D108BD9-81ED-4DB2-BD59-A6C34878D82A}">
+                    <a16:rowId xmlns:a16="http://schemas.microsoft.com/office/drawing/2014/main" val="10004"/>
+                  </a:ext>
+                </a:extLst>
               </a:tr>
               <a:tr h="351088">
                 <a:tc>
@@ -6681,14 +6718,6 @@
                         </a:rPr>
                         <a:t>Reading Comprehension</a:t>
                       </a:r>
-                      <a:endParaRPr lang="en-US" sz="1400" kern="1200">
-                        <a:solidFill>
-                          <a:schemeClr val="dk1"/>
-                        </a:solidFill>
-                        <a:latin typeface="+mn-lt"/>
-                        <a:ea typeface="+mn-ea"/>
-                        <a:cs typeface="+mn-cs"/>
-                      </a:endParaRPr>
                     </a:p>
                   </a:txBody>
                   <a:tcPr marL="6350" marR="6350" marT="6350" marB="0" anchor="b"/>
@@ -6710,14 +6739,6 @@
                         </a:rPr>
                         <a:t>Strong performance</a:t>
                       </a:r>
-                      <a:endParaRPr lang="en-US" sz="1400" kern="1200" dirty="0">
-                        <a:solidFill>
-                          <a:schemeClr val="dk1"/>
-                        </a:solidFill>
-                        <a:latin typeface="+mn-lt"/>
-                        <a:ea typeface="+mn-ea"/>
-                        <a:cs typeface="+mn-cs"/>
-                      </a:endParaRPr>
                     </a:p>
                   </a:txBody>
                   <a:tcPr marL="6350" marR="6350" marT="6350" marB="0" anchor="b"/>
@@ -6739,18 +6760,15 @@
                         </a:rPr>
                         <a:t>High-level comprehension</a:t>
                       </a:r>
-                      <a:endParaRPr lang="en-US" sz="1400" kern="1200" dirty="0">
-                        <a:solidFill>
-                          <a:schemeClr val="dk1"/>
-                        </a:solidFill>
-                        <a:latin typeface="+mn-lt"/>
-                        <a:ea typeface="+mn-ea"/>
-                        <a:cs typeface="+mn-cs"/>
-                      </a:endParaRPr>
                     </a:p>
                   </a:txBody>
                   <a:tcPr marL="6350" marR="6350" marT="6350" marB="0" anchor="b"/>
                 </a:tc>
+                <a:extLst>
+                  <a:ext uri="{0D108BD9-81ED-4DB2-BD59-A6C34878D82A}">
+                    <a16:rowId xmlns:a16="http://schemas.microsoft.com/office/drawing/2014/main" val="10005"/>
+                  </a:ext>
+                </a:extLst>
               </a:tr>
               <a:tr h="559466">
                 <a:tc>
@@ -6792,14 +6810,6 @@
                         </a:rPr>
                         <a:t>)</a:t>
                       </a:r>
-                      <a:endParaRPr lang="en-US" sz="1400" kern="1200" dirty="0">
-                        <a:solidFill>
-                          <a:schemeClr val="dk1"/>
-                        </a:solidFill>
-                        <a:latin typeface="+mn-lt"/>
-                        <a:ea typeface="+mn-ea"/>
-                        <a:cs typeface="+mn-cs"/>
-                      </a:endParaRPr>
                     </a:p>
                   </a:txBody>
                   <a:tcPr marL="6350" marR="6350" marT="6350" marB="0" anchor="b"/>
@@ -6843,14 +6853,6 @@
                         </a:rPr>
                         <a:t> 7B</a:t>
                       </a:r>
-                      <a:endParaRPr lang="en-US" sz="1400" kern="1200" dirty="0">
-                        <a:solidFill>
-                          <a:schemeClr val="dk1"/>
-                        </a:solidFill>
-                        <a:latin typeface="+mn-lt"/>
-                        <a:ea typeface="+mn-ea"/>
-                        <a:cs typeface="+mn-cs"/>
-                      </a:endParaRPr>
                     </a:p>
                   </a:txBody>
                   <a:tcPr marL="6350" marR="6350" marT="6350" marB="0" anchor="b"/>
@@ -6872,18 +6874,15 @@
                         </a:rPr>
                         <a:t>Not available</a:t>
                       </a:r>
-                      <a:endParaRPr lang="en-US" sz="1400" kern="1200" dirty="0">
-                        <a:solidFill>
-                          <a:schemeClr val="dk1"/>
-                        </a:solidFill>
-                        <a:latin typeface="+mn-lt"/>
-                        <a:ea typeface="+mn-ea"/>
-                        <a:cs typeface="+mn-cs"/>
-                      </a:endParaRPr>
                     </a:p>
                   </a:txBody>
                   <a:tcPr marL="6350" marR="6350" marT="6350" marB="0" anchor="b"/>
                 </a:tc>
+                <a:extLst>
+                  <a:ext uri="{0D108BD9-81ED-4DB2-BD59-A6C34878D82A}">
+                    <a16:rowId xmlns:a16="http://schemas.microsoft.com/office/drawing/2014/main" val="10006"/>
+                  </a:ext>
+                </a:extLst>
               </a:tr>
               <a:tr h="351088">
                 <a:tc>
@@ -6903,14 +6902,6 @@
                         </a:rPr>
                         <a:t>MATH Benchmark</a:t>
                       </a:r>
-                      <a:endParaRPr lang="en-US" sz="1400" kern="1200">
-                        <a:solidFill>
-                          <a:schemeClr val="dk1"/>
-                        </a:solidFill>
-                        <a:latin typeface="+mn-lt"/>
-                        <a:ea typeface="+mn-ea"/>
-                        <a:cs typeface="+mn-cs"/>
-                      </a:endParaRPr>
                     </a:p>
                   </a:txBody>
                   <a:tcPr marL="6350" marR="6350" marT="6350" marB="0" anchor="b"/>
@@ -6932,14 +6923,6 @@
                         </a:rPr>
                         <a:t>Not available</a:t>
                       </a:r>
-                      <a:endParaRPr lang="en-US" sz="1400" kern="1200">
-                        <a:solidFill>
-                          <a:schemeClr val="dk1"/>
-                        </a:solidFill>
-                        <a:latin typeface="+mn-lt"/>
-                        <a:ea typeface="+mn-ea"/>
-                        <a:cs typeface="+mn-cs"/>
-                      </a:endParaRPr>
                     </a:p>
                   </a:txBody>
                   <a:tcPr marL="6350" marR="6350" marT="6350" marB="0" anchor="b"/>
@@ -6961,18 +6944,15 @@
                         </a:rPr>
                         <a:t>43.1%</a:t>
                       </a:r>
-                      <a:endParaRPr lang="en-US" sz="1400" kern="1200" dirty="0">
-                        <a:solidFill>
-                          <a:schemeClr val="dk1"/>
-                        </a:solidFill>
-                        <a:latin typeface="+mn-lt"/>
-                        <a:ea typeface="+mn-ea"/>
-                        <a:cs typeface="+mn-cs"/>
-                      </a:endParaRPr>
                     </a:p>
                   </a:txBody>
                   <a:tcPr marL="6350" marR="6350" marT="6350" marB="0" anchor="b"/>
                 </a:tc>
+                <a:extLst>
+                  <a:ext uri="{0D108BD9-81ED-4DB2-BD59-A6C34878D82A}">
+                    <a16:rowId xmlns:a16="http://schemas.microsoft.com/office/drawing/2014/main" val="10007"/>
+                  </a:ext>
+                </a:extLst>
               </a:tr>
               <a:tr h="559466">
                 <a:tc>
@@ -6992,14 +6972,6 @@
                         </a:rPr>
                         <a:t>Operational Cost</a:t>
                       </a:r>
-                      <a:endParaRPr lang="en-US" sz="1400" kern="1200" dirty="0">
-                        <a:solidFill>
-                          <a:schemeClr val="dk1"/>
-                        </a:solidFill>
-                        <a:latin typeface="+mn-lt"/>
-                        <a:ea typeface="+mn-ea"/>
-                        <a:cs typeface="+mn-cs"/>
-                      </a:endParaRPr>
                     </a:p>
                   </a:txBody>
                   <a:tcPr marL="6350" marR="6350" marT="6350" marB="0" anchor="b"/>
@@ -7021,14 +6993,6 @@
                         </a:rPr>
                         <a:t>$2.67 per ~15.2M tokens (NVIDIA A100 40GB)</a:t>
                       </a:r>
-                      <a:endParaRPr lang="pt-BR" sz="1400" kern="1200" dirty="0">
-                        <a:solidFill>
-                          <a:schemeClr val="dk1"/>
-                        </a:solidFill>
-                        <a:latin typeface="+mn-lt"/>
-                        <a:ea typeface="+mn-ea"/>
-                        <a:cs typeface="+mn-cs"/>
-                      </a:endParaRPr>
                     </a:p>
                   </a:txBody>
                   <a:tcPr marL="6350" marR="6350" marT="6350" marB="0" anchor="b"/>
@@ -7050,18 +7014,15 @@
                         </a:rPr>
                         <a:t>Higher computational cost</a:t>
                       </a:r>
-                      <a:endParaRPr lang="en-US" sz="1400" kern="1200" dirty="0">
-                        <a:solidFill>
-                          <a:schemeClr val="dk1"/>
-                        </a:solidFill>
-                        <a:latin typeface="+mn-lt"/>
-                        <a:ea typeface="+mn-ea"/>
-                        <a:cs typeface="+mn-cs"/>
-                      </a:endParaRPr>
                     </a:p>
                   </a:txBody>
                   <a:tcPr marL="6350" marR="6350" marT="6350" marB="0" anchor="b"/>
                 </a:tc>
+                <a:extLst>
+                  <a:ext uri="{0D108BD9-81ED-4DB2-BD59-A6C34878D82A}">
+                    <a16:rowId xmlns:a16="http://schemas.microsoft.com/office/drawing/2014/main" val="10008"/>
+                  </a:ext>
+                </a:extLst>
               </a:tr>
               <a:tr h="559466">
                 <a:tc>
@@ -7081,14 +7042,6 @@
                         </a:rPr>
                         <a:t>Availability</a:t>
                       </a:r>
-                      <a:endParaRPr lang="en-US" sz="1400" kern="1200" dirty="0">
-                        <a:solidFill>
-                          <a:schemeClr val="dk1"/>
-                        </a:solidFill>
-                        <a:latin typeface="+mn-lt"/>
-                        <a:ea typeface="+mn-ea"/>
-                        <a:cs typeface="+mn-cs"/>
-                      </a:endParaRPr>
                     </a:p>
                   </a:txBody>
                   <a:tcPr marL="6350" marR="6350" marT="6350" marB="0" anchor="b"/>
@@ -7110,14 +7063,6 @@
                         </a:rPr>
                         <a:t>Open-source (Apache 2.0)</a:t>
                       </a:r>
-                      <a:endParaRPr lang="en-US" sz="1400" kern="1200" dirty="0">
-                        <a:solidFill>
-                          <a:schemeClr val="dk1"/>
-                        </a:solidFill>
-                        <a:latin typeface="+mn-lt"/>
-                        <a:ea typeface="+mn-ea"/>
-                        <a:cs typeface="+mn-cs"/>
-                      </a:endParaRPr>
                     </a:p>
                   </a:txBody>
                   <a:tcPr marL="6350" marR="6350" marT="6350" marB="0" anchor="b"/>
@@ -7139,18 +7084,15 @@
                         </a:rPr>
                         <a:t>Proprietary (API access only)</a:t>
                       </a:r>
-                      <a:endParaRPr lang="en-US" sz="1400" kern="1200" dirty="0">
-                        <a:solidFill>
-                          <a:schemeClr val="dk1"/>
-                        </a:solidFill>
-                        <a:latin typeface="+mn-lt"/>
-                        <a:ea typeface="+mn-ea"/>
-                        <a:cs typeface="+mn-cs"/>
-                      </a:endParaRPr>
                     </a:p>
                   </a:txBody>
                   <a:tcPr marL="6350" marR="6350" marT="6350" marB="0" anchor="b"/>
                 </a:tc>
+                <a:extLst>
+                  <a:ext uri="{0D108BD9-81ED-4DB2-BD59-A6C34878D82A}">
+                    <a16:rowId xmlns:a16="http://schemas.microsoft.com/office/drawing/2014/main" val="10009"/>
+                  </a:ext>
+                </a:extLst>
               </a:tr>
               <a:tr h="836314">
                 <a:tc>
@@ -7170,14 +7112,6 @@
                         </a:rPr>
                         <a:t>Best Use Cases</a:t>
                       </a:r>
-                      <a:endParaRPr lang="en-US" sz="1400" kern="1200" dirty="0">
-                        <a:solidFill>
-                          <a:schemeClr val="dk1"/>
-                        </a:solidFill>
-                        <a:latin typeface="+mn-lt"/>
-                        <a:ea typeface="+mn-ea"/>
-                        <a:cs typeface="+mn-cs"/>
-                      </a:endParaRPr>
                     </a:p>
                   </a:txBody>
                   <a:tcPr marL="6350" marR="6350" marT="6350" marB="0" anchor="b"/>
@@ -7199,14 +7133,6 @@
                         </a:rPr>
                         <a:t>Cost-efficient, high-speed inference, scalable workloads</a:t>
                       </a:r>
-                      <a:endParaRPr lang="en-US" sz="1400" kern="1200" dirty="0">
-                        <a:solidFill>
-                          <a:schemeClr val="dk1"/>
-                        </a:solidFill>
-                        <a:latin typeface="+mn-lt"/>
-                        <a:ea typeface="+mn-ea"/>
-                        <a:cs typeface="+mn-cs"/>
-                      </a:endParaRPr>
                     </a:p>
                   </a:txBody>
                   <a:tcPr marL="6350" marR="6350" marT="6350" marB="0" anchor="b"/>
@@ -7228,18 +7154,15 @@
                         </a:rPr>
                         <a:t>Complex language understanding, high-quality output</a:t>
                       </a:r>
-                      <a:endParaRPr lang="en-US" sz="1400" kern="1200" dirty="0">
-                        <a:solidFill>
-                          <a:schemeClr val="dk1"/>
-                        </a:solidFill>
-                        <a:latin typeface="+mn-lt"/>
-                        <a:ea typeface="+mn-ea"/>
-                        <a:cs typeface="+mn-cs"/>
-                      </a:endParaRPr>
                     </a:p>
                   </a:txBody>
                   <a:tcPr marL="6350" marR="6350" marT="6350" marB="0" anchor="b"/>
                 </a:tc>
+                <a:extLst>
+                  <a:ext uri="{0D108BD9-81ED-4DB2-BD59-A6C34878D82A}">
+                    <a16:rowId xmlns:a16="http://schemas.microsoft.com/office/drawing/2014/main" val="10010"/>
+                  </a:ext>
+                </a:extLst>
               </a:tr>
             </a:tbl>
           </a:graphicData>
@@ -7305,7 +7228,7 @@
           </p:nvPr>
         </p:nvPicPr>
         <p:blipFill>
-          <a:blip r:embed="rId1"/>
+          <a:blip r:embed="rId2"/>
           <a:stretch>
             <a:fillRect/>
           </a:stretch>
@@ -7366,7 +7289,6 @@
               <a:rPr sz="4000" dirty="0"/>
               <a:t>Features</a:t>
             </a:r>
-            <a:endParaRPr sz="4000" dirty="0"/>
           </a:p>
         </p:txBody>
       </p:sp>
@@ -7381,7 +7303,7 @@
           </p:nvPr>
         </p:nvPicPr>
         <p:blipFill>
-          <a:blip r:embed="rId1"/>
+          <a:blip r:embed="rId2"/>
           <a:stretch>
             <a:fillRect/>
           </a:stretch>
@@ -7720,6 +7642,7 @@
       </a:style>
     </a:lnDef>
   </a:objectDefaults>
+  <a:extraClrSchemeLst/>
   <a:extLst>
     <a:ext uri="{05A4C25C-085E-4340-85A3-A5531E510DB2}">
       <thm15:themeFamily xmlns:thm15="http://schemas.microsoft.com/office/thememl/2012/main" name="Office Theme" id="{62F939B6-93AF-4DB8-9C6B-D6C7DFDC589F}" vid="{4A3C46E8-61CC-4603-A589-7422A47A8E4A}"/>
@@ -7979,6 +7902,8 @@
       </a:bgFillStyleLst>
     </a:fmtScheme>
   </a:themeElements>
+  <a:objectDefaults/>
+  <a:extraClrSchemeLst/>
   <a:extLst>
     <a:ext uri="{05A4C25C-085E-4340-85A3-A5531E510DB2}">
       <thm15:themeFamily xmlns:thm15="http://schemas.microsoft.com/office/thememl/2012/main" name="Office Theme" id="{62F939B6-93AF-4DB8-9C6B-D6C7DFDC589F}" vid="{4A3C46E8-61CC-4603-A589-7422A47A8E4A}"/>
@@ -8238,6 +8163,8 @@
       </a:bgFillStyleLst>
     </a:fmtScheme>
   </a:themeElements>
+  <a:objectDefaults/>
+  <a:extraClrSchemeLst/>
   <a:extLst>
     <a:ext uri="{05A4C25C-085E-4340-85A3-A5531E510DB2}">
       <thm15:themeFamily xmlns:thm15="http://schemas.microsoft.com/office/thememl/2012/main" name="Office Theme" id="{62F939B6-93AF-4DB8-9C6B-D6C7DFDC589F}" vid="{4A3C46E8-61CC-4603-A589-7422A47A8E4A}"/>

--- a/artifacts/demo/AI_Recommendation_Engine_Deck_Final.pptx
+++ b/artifacts/demo/AI_Recommendation_Engine_Deck_Final.pptx
@@ -4140,7 +4140,7 @@
         <p:spPr/>
         <p:txBody>
           <a:bodyPr>
-            <a:normAutofit fontScale="92500" lnSpcReduction="10000"/>
+            <a:normAutofit fontScale="92500" lnSpcReduction="20000"/>
           </a:bodyPr>
           <a:lstStyle/>
           <a:p>
@@ -4159,6 +4159,12 @@
             <a:r>
               <a:rPr lang="en-US" dirty="0"/>
               <a:t>User friendly light weight UI</a:t>
+            </a:r>
+          </a:p>
+          <a:p>
+            <a:r>
+              <a:rPr lang="en-US" dirty="0"/>
+              <a:t>Mobile Interface friendly UI Design</a:t>
             </a:r>
           </a:p>
           <a:p>
